--- a/docs/wordoku_enhancements.pptx
+++ b/docs/wordoku_enhancements.pptx
@@ -2844,7 +2844,7 @@
         <p:spPr>
           <a:xfrm>
             <a:off x="304800" y="1199185"/>
-            <a:ext cx="8534400" cy="5632311"/>
+            <a:ext cx="8534400" cy="5909310"/>
           </a:xfrm>
           <a:prstGeom prst="rect">
             <a:avLst/>
@@ -2858,7 +2858,7 @@
           <a:lstStyle/>
           <a:p>
             <a:r>
-              <a:rPr lang="en-US" sz="2000" dirty="0">
+              <a:rPr lang="en-US" sz="1800" dirty="0">
                 <a:solidFill>
                   <a:schemeClr val="bg2"/>
                 </a:solidFill>
@@ -2867,7 +2867,7 @@
               <a:t>[1] Refactor the application so that it makes use of </a:t>
             </a:r>
             <a:r>
-              <a:rPr lang="en-US" sz="2000" dirty="0" err="1">
+              <a:rPr lang="en-US" sz="1800" dirty="0" err="1">
                 <a:solidFill>
                   <a:schemeClr val="bg2"/>
                 </a:solidFill>
@@ -2876,7 +2876,7 @@
               <a:t>indic</a:t>
             </a:r>
             <a:r>
-              <a:rPr lang="en-US" sz="2000" dirty="0">
+              <a:rPr lang="en-US" sz="1800" dirty="0">
                 <a:solidFill>
                   <a:schemeClr val="bg2"/>
                 </a:solidFill>
@@ -2885,7 +2885,7 @@
               <a:t>-wp application (</a:t>
             </a:r>
             <a:r>
-              <a:rPr lang="en-US" sz="2000" dirty="0">
+              <a:rPr lang="en-US" sz="1800" dirty="0">
                 <a:solidFill>
                   <a:schemeClr val="bg2"/>
                 </a:solidFill>
@@ -2895,7 +2895,7 @@
               <a:t>www.github.com/sjasthi/indic-wp</a:t>
             </a:r>
             <a:r>
-              <a:rPr lang="en-US" sz="2000" dirty="0">
+              <a:rPr lang="en-US" sz="1800" dirty="0">
                 <a:solidFill>
                   <a:schemeClr val="bg2"/>
                 </a:solidFill>
@@ -2905,7 +2905,7 @@
             </a:r>
           </a:p>
           <a:p>
-            <a:endParaRPr lang="en-US" sz="2000" dirty="0">
+            <a:endParaRPr lang="en-US" sz="1800" dirty="0">
               <a:solidFill>
                 <a:schemeClr val="bg2"/>
               </a:solidFill>
@@ -2915,7 +2915,7 @@
           </a:p>
           <a:p>
             <a:r>
-              <a:rPr lang="en-US" sz="2000" dirty="0">
+              <a:rPr lang="en-US" sz="1800" dirty="0">
                 <a:solidFill>
                   <a:schemeClr val="bg2"/>
                 </a:solidFill>
@@ -2927,7 +2927,7 @@
           </a:p>
           <a:p>
             <a:r>
-              <a:rPr lang="en-US" sz="2000" dirty="0">
+              <a:rPr lang="en-US" sz="1800" dirty="0">
                 <a:solidFill>
                   <a:schemeClr val="bg2"/>
                 </a:solidFill>
@@ -2938,7 +2938,7 @@
             </a:r>
           </a:p>
           <a:p>
-            <a:endParaRPr lang="en-US" sz="2000" dirty="0">
+            <a:endParaRPr lang="en-US" sz="1800" dirty="0">
               <a:solidFill>
                 <a:schemeClr val="bg2"/>
               </a:solidFill>
@@ -2948,7 +2948,7 @@
           </a:p>
           <a:p>
             <a:r>
-              <a:rPr lang="en-US" sz="2000" dirty="0">
+              <a:rPr lang="en-US" sz="1800" dirty="0">
                 <a:solidFill>
                   <a:schemeClr val="bg2"/>
                 </a:solidFill>
@@ -2959,7 +2959,7 @@
             </a:r>
           </a:p>
           <a:p>
-            <a:endParaRPr lang="en-US" sz="2000" dirty="0">
+            <a:endParaRPr lang="en-US" sz="1800" dirty="0">
               <a:solidFill>
                 <a:schemeClr val="bg2"/>
               </a:solidFill>
@@ -2969,7 +2969,7 @@
           </a:p>
           <a:p>
             <a:r>
-              <a:rPr lang="en-US" sz="2000" dirty="0">
+              <a:rPr lang="en-US" sz="1800" dirty="0">
                 <a:solidFill>
                   <a:schemeClr val="bg2"/>
                 </a:solidFill>
@@ -2980,7 +2980,7 @@
             </a:r>
           </a:p>
           <a:p>
-            <a:endParaRPr lang="en-US" sz="2000" dirty="0">
+            <a:endParaRPr lang="en-US" sz="1800" dirty="0">
               <a:solidFill>
                 <a:schemeClr val="bg2"/>
               </a:solidFill>
@@ -2990,7 +2990,7 @@
           </a:p>
           <a:p>
             <a:r>
-              <a:rPr lang="en-US" sz="2000" dirty="0">
+              <a:rPr lang="en-US" sz="1800" dirty="0">
                 <a:solidFill>
                   <a:schemeClr val="bg2"/>
                 </a:solidFill>
@@ -3001,7 +3001,7 @@
             </a:r>
           </a:p>
           <a:p>
-            <a:endParaRPr lang="en-US" sz="2000" dirty="0">
+            <a:endParaRPr lang="en-US" sz="1800" dirty="0">
               <a:solidFill>
                 <a:schemeClr val="bg2"/>
               </a:solidFill>
@@ -3011,7 +3011,7 @@
           </a:p>
           <a:p>
             <a:r>
-              <a:rPr lang="en-US" sz="2000" dirty="0">
+              <a:rPr lang="en-US" sz="1800" dirty="0">
                 <a:solidFill>
                   <a:schemeClr val="bg2"/>
                 </a:solidFill>
@@ -3022,7 +3022,7 @@
             </a:r>
           </a:p>
           <a:p>
-            <a:endParaRPr lang="en-US" sz="2000" dirty="0">
+            <a:endParaRPr lang="en-US" sz="1800" dirty="0">
               <a:solidFill>
                 <a:schemeClr val="bg2"/>
               </a:solidFill>
@@ -3032,18 +3032,78 @@
           </a:p>
           <a:p>
             <a:r>
-              <a:rPr lang="en-US" sz="2000" dirty="0">
+              <a:rPr lang="en-US" sz="1800" dirty="0">
                 <a:solidFill>
                   <a:schemeClr val="bg2"/>
                 </a:solidFill>
                 <a:latin typeface="+mn-lt"/>
                 <a:cs typeface="NATS" pitchFamily="2" charset="0"/>
               </a:rPr>
-              <a:t>[7] Provide support for playing the puzzles online.</a:t>
-            </a:r>
-          </a:p>
-          <a:p>
-            <a:endParaRPr lang="en-US" sz="2000" dirty="0">
+              <a:t>[7] Provide support for the web-</a:t>
+            </a:r>
+            <a:r>
+              <a:rPr lang="en-US" sz="1800" dirty="0" err="1">
+                <a:solidFill>
+                  <a:schemeClr val="bg2"/>
+                </a:solidFill>
+                <a:latin typeface="+mn-lt"/>
+                <a:cs typeface="NATS" pitchFamily="2" charset="0"/>
+              </a:rPr>
+              <a:t>servies</a:t>
+            </a:r>
+            <a:r>
+              <a:rPr lang="en-US" sz="1800" dirty="0">
+                <a:solidFill>
+                  <a:schemeClr val="bg2"/>
+                </a:solidFill>
+                <a:latin typeface="+mn-lt"/>
+                <a:cs typeface="NATS" pitchFamily="2" charset="0"/>
+              </a:rPr>
+              <a:t> using which sudoku puzzles can be </a:t>
+            </a:r>
+            <a:r>
+              <a:rPr lang="en-US" sz="1800">
+                <a:solidFill>
+                  <a:schemeClr val="bg2"/>
+                </a:solidFill>
+                <a:latin typeface="+mn-lt"/>
+                <a:cs typeface="NATS" pitchFamily="2" charset="0"/>
+              </a:rPr>
+              <a:t>created.</a:t>
+            </a:r>
+          </a:p>
+          <a:p>
+            <a:endParaRPr lang="en-US" sz="1800" dirty="0">
+              <a:solidFill>
+                <a:schemeClr val="bg2"/>
+              </a:solidFill>
+              <a:latin typeface="+mn-lt"/>
+              <a:cs typeface="NATS" pitchFamily="2" charset="0"/>
+            </a:endParaRPr>
+          </a:p>
+          <a:p>
+            <a:r>
+              <a:rPr lang="en-US" sz="1800" dirty="0">
+                <a:solidFill>
+                  <a:schemeClr val="bg2"/>
+                </a:solidFill>
+                <a:latin typeface="+mn-lt"/>
+                <a:cs typeface="NATS" pitchFamily="2" charset="0"/>
+              </a:rPr>
+              <a:t>[8] Provide support for playing the puzzles online.</a:t>
+            </a:r>
+          </a:p>
+          <a:p>
+            <a:endParaRPr lang="en-US" sz="1800" dirty="0">
+              <a:solidFill>
+                <a:schemeClr val="bg2"/>
+              </a:solidFill>
+              <a:latin typeface="+mn-lt"/>
+              <a:cs typeface="NATS" pitchFamily="2" charset="0"/>
+            </a:endParaRPr>
+          </a:p>
+          <a:p>
+            <a:endParaRPr lang="en-US" sz="1800" dirty="0">
               <a:solidFill>
                 <a:schemeClr val="bg2"/>
               </a:solidFill>

--- a/docs/wordoku_enhancements.pptx
+++ b/docs/wordoku_enhancements.pptx
@@ -5,21 +5,30 @@
     <p:sldMasterId id="2147483651" r:id="rId1"/>
   </p:sldMasterIdLst>
   <p:notesMasterIdLst>
-    <p:notesMasterId r:id="rId6"/>
+    <p:notesMasterId r:id="rId15"/>
   </p:notesMasterIdLst>
   <p:handoutMasterIdLst>
-    <p:handoutMasterId r:id="rId7"/>
+    <p:handoutMasterId r:id="rId16"/>
   </p:handoutMasterIdLst>
   <p:sldIdLst>
     <p:sldId id="420" r:id="rId2"/>
     <p:sldId id="465" r:id="rId3"/>
     <p:sldId id="498" r:id="rId4"/>
-    <p:sldId id="497" r:id="rId5"/>
+    <p:sldId id="499" r:id="rId5"/>
+    <p:sldId id="500" r:id="rId6"/>
+    <p:sldId id="501" r:id="rId7"/>
+    <p:sldId id="502" r:id="rId8"/>
+    <p:sldId id="503" r:id="rId9"/>
+    <p:sldId id="506" r:id="rId10"/>
+    <p:sldId id="507" r:id="rId11"/>
+    <p:sldId id="508" r:id="rId12"/>
+    <p:sldId id="504" r:id="rId13"/>
+    <p:sldId id="497" r:id="rId14"/>
   </p:sldIdLst>
   <p:sldSz cx="9144000" cy="6858000" type="screen4x3"/>
   <p:notesSz cx="6991350" cy="9282113"/>
   <p:custDataLst>
-    <p:tags r:id="rId8"/>
+    <p:tags r:id="rId17"/>
   </p:custDataLst>
   <p:defaultTextStyle>
     <a:defPPr>
@@ -2371,6 +2380,1353 @@
 </p:sld>
 </file>
 
+<file path=ppt/slides/slide10.xml><?xml version="1.0" encoding="utf-8"?>
+<p:sld xmlns:a="http://schemas.openxmlformats.org/drawingml/2006/main" xmlns:r="http://schemas.openxmlformats.org/officeDocument/2006/relationships" xmlns:p="http://schemas.openxmlformats.org/presentationml/2006/main">
+  <p:cSld>
+    <p:spTree>
+      <p:nvGrpSpPr>
+        <p:cNvPr id="1" name=""/>
+        <p:cNvGrpSpPr/>
+        <p:nvPr/>
+      </p:nvGrpSpPr>
+      <p:grpSpPr>
+        <a:xfrm>
+          <a:off x="0" y="0"/>
+          <a:ext cx="0" cy="0"/>
+          <a:chOff x="0" y="0"/>
+          <a:chExt cx="0" cy="0"/>
+        </a:xfrm>
+      </p:grpSpPr>
+      <p:sp>
+        <p:nvSpPr>
+          <p:cNvPr id="2" name="Slide Number Placeholder 1">
+            <a:extLst>
+              <a:ext uri="{FF2B5EF4-FFF2-40B4-BE49-F238E27FC236}">
+                <a16:creationId xmlns:a16="http://schemas.microsoft.com/office/drawing/2014/main" id="{BBDBFE1B-F0B2-4580-87F0-7C62A8E7E802}"/>
+              </a:ext>
+            </a:extLst>
+          </p:cNvPr>
+          <p:cNvSpPr>
+            <a:spLocks noGrp="1"/>
+          </p:cNvSpPr>
+          <p:nvPr>
+            <p:ph type="sldNum" sz="quarter" idx="11"/>
+          </p:nvPr>
+        </p:nvSpPr>
+        <p:spPr/>
+        <p:txBody>
+          <a:bodyPr/>
+          <a:lstStyle/>
+          <a:p>
+            <a:pPr>
+              <a:defRPr/>
+            </a:pPr>
+            <a:fld id="{55707887-EE06-4E3F-9515-1ED64E674293}" type="slidenum">
+              <a:rPr lang="en-GB" smtClean="0"/>
+              <a:pPr>
+                <a:defRPr/>
+              </a:pPr>
+              <a:t>10</a:t>
+            </a:fld>
+            <a:endParaRPr lang="en-GB">
+              <a:solidFill>
+                <a:srgbClr val="FFFFFF"/>
+              </a:solidFill>
+            </a:endParaRPr>
+          </a:p>
+        </p:txBody>
+      </p:sp>
+      <p:sp>
+        <p:nvSpPr>
+          <p:cNvPr id="3" name="TextBox 2">
+            <a:extLst>
+              <a:ext uri="{FF2B5EF4-FFF2-40B4-BE49-F238E27FC236}">
+                <a16:creationId xmlns:a16="http://schemas.microsoft.com/office/drawing/2014/main" id="{E15CC46D-6354-4186-A6BE-C39162F14007}"/>
+              </a:ext>
+            </a:extLst>
+          </p:cNvPr>
+          <p:cNvSpPr txBox="1"/>
+          <p:nvPr/>
+        </p:nvSpPr>
+        <p:spPr>
+          <a:xfrm>
+            <a:off x="944725" y="228600"/>
+            <a:ext cx="5641288" cy="461665"/>
+          </a:xfrm>
+          <a:prstGeom prst="rect">
+            <a:avLst/>
+          </a:prstGeom>
+          <a:noFill/>
+        </p:spPr>
+        <p:txBody>
+          <a:bodyPr wrap="none" rtlCol="0">
+            <a:spAutoFit/>
+          </a:bodyPr>
+          <a:lstStyle/>
+          <a:p>
+            <a:r>
+              <a:rPr lang="en-US" dirty="0">
+                <a:solidFill>
+                  <a:schemeClr val="bg2"/>
+                </a:solidFill>
+              </a:rPr>
+              <a:t>FP3 and FP4: Mass Generation (HTML)</a:t>
+            </a:r>
+          </a:p>
+        </p:txBody>
+      </p:sp>
+      <p:sp>
+        <p:nvSpPr>
+          <p:cNvPr id="4" name="Rectangle 3">
+            <a:extLst>
+              <a:ext uri="{FF2B5EF4-FFF2-40B4-BE49-F238E27FC236}">
+                <a16:creationId xmlns:a16="http://schemas.microsoft.com/office/drawing/2014/main" id="{0B38F41D-D725-4B26-B2D1-6A4E487093C9}"/>
+              </a:ext>
+            </a:extLst>
+          </p:cNvPr>
+          <p:cNvSpPr/>
+          <p:nvPr/>
+        </p:nvSpPr>
+        <p:spPr>
+          <a:xfrm>
+            <a:off x="152400" y="1676400"/>
+            <a:ext cx="4572000" cy="3416320"/>
+          </a:xfrm>
+          <a:prstGeom prst="rect">
+            <a:avLst/>
+          </a:prstGeom>
+        </p:spPr>
+        <p:txBody>
+          <a:bodyPr>
+            <a:spAutoFit/>
+          </a:bodyPr>
+          <a:lstStyle/>
+          <a:p>
+            <a:r>
+              <a:rPr lang="en-US" dirty="0">
+                <a:solidFill>
+                  <a:schemeClr val="bg2"/>
+                </a:solidFill>
+              </a:rPr>
+              <a:t>When Batch action is Clicked, we will show a form to the user.</a:t>
+            </a:r>
+          </a:p>
+          <a:p>
+            <a:endParaRPr lang="en-US" dirty="0">
+              <a:solidFill>
+                <a:schemeClr val="bg2"/>
+              </a:solidFill>
+            </a:endParaRPr>
+          </a:p>
+          <a:p>
+            <a:r>
+              <a:rPr lang="en-US" dirty="0">
+                <a:solidFill>
+                  <a:schemeClr val="bg2"/>
+                </a:solidFill>
+              </a:rPr>
+              <a:t>Select the range of words:</a:t>
+            </a:r>
+          </a:p>
+          <a:p>
+            <a:endParaRPr lang="en-US" dirty="0">
+              <a:solidFill>
+                <a:schemeClr val="bg2"/>
+              </a:solidFill>
+            </a:endParaRPr>
+          </a:p>
+          <a:p>
+            <a:r>
+              <a:rPr lang="en-US" dirty="0">
+                <a:solidFill>
+                  <a:schemeClr val="bg2"/>
+                </a:solidFill>
+              </a:rPr>
+              <a:t>Starting ID: [ </a:t>
+            </a:r>
+            <a:r>
+              <a:rPr lang="en-US" b="1" dirty="0">
+                <a:solidFill>
+                  <a:schemeClr val="bg2"/>
+                </a:solidFill>
+                <a:highlight>
+                  <a:srgbClr val="FFFF00"/>
+                </a:highlight>
+              </a:rPr>
+              <a:t>101</a:t>
+            </a:r>
+            <a:r>
+              <a:rPr lang="en-US" dirty="0">
+                <a:solidFill>
+                  <a:schemeClr val="bg2"/>
+                </a:solidFill>
+              </a:rPr>
+              <a:t>   ]</a:t>
+            </a:r>
+          </a:p>
+          <a:p>
+            <a:r>
+              <a:rPr lang="en-US" dirty="0">
+                <a:solidFill>
+                  <a:schemeClr val="bg2"/>
+                </a:solidFill>
+              </a:rPr>
+              <a:t>Ending ID:  [  </a:t>
+            </a:r>
+            <a:r>
+              <a:rPr lang="en-US" b="1" dirty="0">
+                <a:solidFill>
+                  <a:schemeClr val="bg2"/>
+                </a:solidFill>
+                <a:highlight>
+                  <a:srgbClr val="FFFF00"/>
+                </a:highlight>
+              </a:rPr>
+              <a:t>200</a:t>
+            </a:r>
+            <a:r>
+              <a:rPr lang="en-US" dirty="0">
+                <a:solidFill>
+                  <a:schemeClr val="bg2"/>
+                </a:solidFill>
+              </a:rPr>
+              <a:t>  ] </a:t>
+            </a:r>
+          </a:p>
+          <a:p>
+            <a:endParaRPr lang="en-US" dirty="0">
+              <a:solidFill>
+                <a:schemeClr val="bg2"/>
+              </a:solidFill>
+            </a:endParaRPr>
+          </a:p>
+          <a:p>
+            <a:endParaRPr lang="en-US" dirty="0">
+              <a:solidFill>
+                <a:schemeClr val="bg2"/>
+              </a:solidFill>
+            </a:endParaRPr>
+          </a:p>
+        </p:txBody>
+      </p:sp>
+      <p:sp>
+        <p:nvSpPr>
+          <p:cNvPr id="5" name="Rectangle: Rounded Corners 4">
+            <a:extLst>
+              <a:ext uri="{FF2B5EF4-FFF2-40B4-BE49-F238E27FC236}">
+                <a16:creationId xmlns:a16="http://schemas.microsoft.com/office/drawing/2014/main" id="{D269AE64-C245-4217-8C54-81358EF9351C}"/>
+              </a:ext>
+            </a:extLst>
+          </p:cNvPr>
+          <p:cNvSpPr/>
+          <p:nvPr/>
+        </p:nvSpPr>
+        <p:spPr bwMode="auto">
+          <a:xfrm>
+            <a:off x="76200" y="4724400"/>
+            <a:ext cx="2971800" cy="914400"/>
+          </a:xfrm>
+          <a:prstGeom prst="roundRect">
+            <a:avLst/>
+          </a:prstGeom>
+          <a:solidFill>
+            <a:srgbClr val="00FFFF">
+              <a:alpha val="50000"/>
+            </a:srgbClr>
+          </a:solidFill>
+          <a:ln w="28575" cap="flat" cmpd="sng" algn="ctr">
+            <a:solidFill>
+              <a:schemeClr val="bg1"/>
+            </a:solidFill>
+            <a:prstDash val="solid"/>
+            <a:round/>
+            <a:headEnd type="none" w="sm" len="sm"/>
+            <a:tailEnd type="stealth" w="lg" len="lg"/>
+          </a:ln>
+          <a:effectLst/>
+        </p:spPr>
+        <p:txBody>
+          <a:bodyPr vert="horz" wrap="none" lIns="91440" tIns="45720" rIns="91440" bIns="45720" numCol="1" rtlCol="0" anchor="ctr" anchorCtr="0" compatLnSpc="1">
+            <a:prstTxWarp prst="textNoShape">
+              <a:avLst/>
+            </a:prstTxWarp>
+          </a:bodyPr>
+          <a:lstStyle/>
+          <a:p>
+            <a:pPr marL="0" marR="0" indent="0" algn="ctr" defTabSz="914400" rtl="0" eaLnBrk="1" fontAlgn="base" latinLnBrk="0" hangingPunct="1">
+              <a:lnSpc>
+                <a:spcPct val="100000"/>
+              </a:lnSpc>
+              <a:spcBef>
+                <a:spcPct val="0"/>
+              </a:spcBef>
+              <a:spcAft>
+                <a:spcPct val="0"/>
+              </a:spcAft>
+              <a:buClrTx/>
+              <a:buSzTx/>
+              <a:buFontTx/>
+              <a:buNone/>
+              <a:tabLst/>
+            </a:pPr>
+            <a:r>
+              <a:rPr kumimoji="0" lang="en-US" sz="2400" b="0" i="0" u="none" strike="noStrike" cap="none" normalizeH="0" baseline="0" dirty="0">
+                <a:ln>
+                  <a:noFill/>
+                </a:ln>
+                <a:solidFill>
+                  <a:schemeClr val="bg2"/>
+                </a:solidFill>
+                <a:effectLst/>
+                <a:latin typeface="Arial" charset="0"/>
+              </a:rPr>
+              <a:t>HTML</a:t>
+            </a:r>
+          </a:p>
+        </p:txBody>
+      </p:sp>
+      <p:sp>
+        <p:nvSpPr>
+          <p:cNvPr id="6" name="Rectangle: Rounded Corners 5">
+            <a:extLst>
+              <a:ext uri="{FF2B5EF4-FFF2-40B4-BE49-F238E27FC236}">
+                <a16:creationId xmlns:a16="http://schemas.microsoft.com/office/drawing/2014/main" id="{7CE319B7-2E8C-48AF-9863-E912C1C517BD}"/>
+              </a:ext>
+            </a:extLst>
+          </p:cNvPr>
+          <p:cNvSpPr/>
+          <p:nvPr/>
+        </p:nvSpPr>
+        <p:spPr bwMode="auto">
+          <a:xfrm>
+            <a:off x="3614213" y="4731470"/>
+            <a:ext cx="2971800" cy="914400"/>
+          </a:xfrm>
+          <a:prstGeom prst="roundRect">
+            <a:avLst/>
+          </a:prstGeom>
+          <a:solidFill>
+            <a:srgbClr val="00FFFF">
+              <a:alpha val="50000"/>
+            </a:srgbClr>
+          </a:solidFill>
+          <a:ln w="28575" cap="flat" cmpd="sng" algn="ctr">
+            <a:solidFill>
+              <a:schemeClr val="bg1"/>
+            </a:solidFill>
+            <a:prstDash val="solid"/>
+            <a:round/>
+            <a:headEnd type="none" w="sm" len="sm"/>
+            <a:tailEnd type="stealth" w="lg" len="lg"/>
+          </a:ln>
+          <a:effectLst/>
+        </p:spPr>
+        <p:txBody>
+          <a:bodyPr vert="horz" wrap="none" lIns="91440" tIns="45720" rIns="91440" bIns="45720" numCol="1" rtlCol="0" anchor="ctr" anchorCtr="0" compatLnSpc="1">
+            <a:prstTxWarp prst="textNoShape">
+              <a:avLst/>
+            </a:prstTxWarp>
+          </a:bodyPr>
+          <a:lstStyle/>
+          <a:p>
+            <a:pPr marL="0" marR="0" indent="0" algn="ctr" defTabSz="914400" rtl="0" eaLnBrk="1" fontAlgn="base" latinLnBrk="0" hangingPunct="1">
+              <a:lnSpc>
+                <a:spcPct val="100000"/>
+              </a:lnSpc>
+              <a:spcBef>
+                <a:spcPct val="0"/>
+              </a:spcBef>
+              <a:spcAft>
+                <a:spcPct val="0"/>
+              </a:spcAft>
+              <a:buClrTx/>
+              <a:buSzTx/>
+              <a:buFontTx/>
+              <a:buNone/>
+              <a:tabLst/>
+            </a:pPr>
+            <a:r>
+              <a:rPr kumimoji="0" lang="en-US" sz="2400" b="0" i="0" u="none" strike="noStrike" cap="none" normalizeH="0" baseline="0" dirty="0">
+                <a:ln>
+                  <a:noFill/>
+                </a:ln>
+                <a:solidFill>
+                  <a:schemeClr val="bg2"/>
+                </a:solidFill>
+                <a:effectLst/>
+                <a:latin typeface="Arial" charset="0"/>
+              </a:rPr>
+              <a:t>Power Point</a:t>
+            </a:r>
+          </a:p>
+        </p:txBody>
+      </p:sp>
+    </p:spTree>
+    <p:extLst>
+      <p:ext uri="{BB962C8B-B14F-4D97-AF65-F5344CB8AC3E}">
+        <p14:creationId xmlns:p14="http://schemas.microsoft.com/office/powerpoint/2010/main" val="2616855233"/>
+      </p:ext>
+    </p:extLst>
+  </p:cSld>
+  <p:clrMapOvr>
+    <a:masterClrMapping/>
+  </p:clrMapOvr>
+  <p:transition>
+    <p:wipe dir="r"/>
+  </p:transition>
+</p:sld>
+</file>
+
+<file path=ppt/slides/slide11.xml><?xml version="1.0" encoding="utf-8"?>
+<p:sld xmlns:a="http://schemas.openxmlformats.org/drawingml/2006/main" xmlns:r="http://schemas.openxmlformats.org/officeDocument/2006/relationships" xmlns:p="http://schemas.openxmlformats.org/presentationml/2006/main">
+  <p:cSld>
+    <p:spTree>
+      <p:nvGrpSpPr>
+        <p:cNvPr id="1" name=""/>
+        <p:cNvGrpSpPr/>
+        <p:nvPr/>
+      </p:nvGrpSpPr>
+      <p:grpSpPr>
+        <a:xfrm>
+          <a:off x="0" y="0"/>
+          <a:ext cx="0" cy="0"/>
+          <a:chOff x="0" y="0"/>
+          <a:chExt cx="0" cy="0"/>
+        </a:xfrm>
+      </p:grpSpPr>
+      <p:sp>
+        <p:nvSpPr>
+          <p:cNvPr id="2" name="Slide Number Placeholder 1">
+            <a:extLst>
+              <a:ext uri="{FF2B5EF4-FFF2-40B4-BE49-F238E27FC236}">
+                <a16:creationId xmlns:a16="http://schemas.microsoft.com/office/drawing/2014/main" id="{65B32C5A-AEAE-4FAF-A05D-3C137D485FC9}"/>
+              </a:ext>
+            </a:extLst>
+          </p:cNvPr>
+          <p:cNvSpPr>
+            <a:spLocks noGrp="1"/>
+          </p:cNvSpPr>
+          <p:nvPr>
+            <p:ph type="sldNum" sz="quarter" idx="11"/>
+          </p:nvPr>
+        </p:nvSpPr>
+        <p:spPr/>
+        <p:txBody>
+          <a:bodyPr/>
+          <a:lstStyle/>
+          <a:p>
+            <a:pPr>
+              <a:defRPr/>
+            </a:pPr>
+            <a:fld id="{55707887-EE06-4E3F-9515-1ED64E674293}" type="slidenum">
+              <a:rPr lang="en-GB" smtClean="0"/>
+              <a:pPr>
+                <a:defRPr/>
+              </a:pPr>
+              <a:t>11</a:t>
+            </a:fld>
+            <a:endParaRPr lang="en-GB">
+              <a:solidFill>
+                <a:srgbClr val="FFFFFF"/>
+              </a:solidFill>
+            </a:endParaRPr>
+          </a:p>
+        </p:txBody>
+      </p:sp>
+      <p:pic>
+        <p:nvPicPr>
+          <p:cNvPr id="3" name="Picture 2">
+            <a:extLst>
+              <a:ext uri="{FF2B5EF4-FFF2-40B4-BE49-F238E27FC236}">
+                <a16:creationId xmlns:a16="http://schemas.microsoft.com/office/drawing/2014/main" id="{87462E95-6D30-4887-9E61-02C264B9C301}"/>
+              </a:ext>
+            </a:extLst>
+          </p:cNvPr>
+          <p:cNvPicPr>
+            <a:picLocks noChangeAspect="1"/>
+          </p:cNvPicPr>
+          <p:nvPr/>
+        </p:nvPicPr>
+        <p:blipFill>
+          <a:blip r:embed="rId2"/>
+          <a:stretch>
+            <a:fillRect/>
+          </a:stretch>
+        </p:blipFill>
+        <p:spPr>
+          <a:xfrm>
+            <a:off x="457200" y="1691435"/>
+            <a:ext cx="1535434" cy="1544684"/>
+          </a:xfrm>
+          <a:prstGeom prst="rect">
+            <a:avLst/>
+          </a:prstGeom>
+        </p:spPr>
+      </p:pic>
+      <p:pic>
+        <p:nvPicPr>
+          <p:cNvPr id="4" name="Picture 3">
+            <a:extLst>
+              <a:ext uri="{FF2B5EF4-FFF2-40B4-BE49-F238E27FC236}">
+                <a16:creationId xmlns:a16="http://schemas.microsoft.com/office/drawing/2014/main" id="{91F75856-E834-452F-B042-6F291D5BE151}"/>
+              </a:ext>
+            </a:extLst>
+          </p:cNvPr>
+          <p:cNvPicPr>
+            <a:picLocks noChangeAspect="1"/>
+          </p:cNvPicPr>
+          <p:nvPr/>
+        </p:nvPicPr>
+        <p:blipFill>
+          <a:blip r:embed="rId3"/>
+          <a:stretch>
+            <a:fillRect/>
+          </a:stretch>
+        </p:blipFill>
+        <p:spPr>
+          <a:xfrm>
+            <a:off x="411637" y="3443926"/>
+            <a:ext cx="1551145" cy="1557337"/>
+          </a:xfrm>
+          <a:prstGeom prst="rect">
+            <a:avLst/>
+          </a:prstGeom>
+        </p:spPr>
+      </p:pic>
+      <p:sp>
+        <p:nvSpPr>
+          <p:cNvPr id="5" name="TextBox 4">
+            <a:extLst>
+              <a:ext uri="{FF2B5EF4-FFF2-40B4-BE49-F238E27FC236}">
+                <a16:creationId xmlns:a16="http://schemas.microsoft.com/office/drawing/2014/main" id="{B3427513-D6A5-4E52-AE2A-2D3F2B574E0A}"/>
+              </a:ext>
+            </a:extLst>
+          </p:cNvPr>
+          <p:cNvSpPr txBox="1"/>
+          <p:nvPr/>
+        </p:nvSpPr>
+        <p:spPr>
+          <a:xfrm>
+            <a:off x="289089" y="1219200"/>
+            <a:ext cx="4237057" cy="4893647"/>
+          </a:xfrm>
+          <a:prstGeom prst="rect">
+            <a:avLst/>
+          </a:prstGeom>
+          <a:noFill/>
+        </p:spPr>
+        <p:txBody>
+          <a:bodyPr wrap="none" rtlCol="0">
+            <a:spAutoFit/>
+          </a:bodyPr>
+          <a:lstStyle/>
+          <a:p>
+            <a:pPr marL="457200" indent="-457200">
+              <a:buAutoNum type="arabicPeriod"/>
+            </a:pPr>
+            <a:r>
+              <a:rPr lang="te-IN" dirty="0">
+                <a:solidFill>
+                  <a:schemeClr val="bg2"/>
+                </a:solidFill>
+              </a:rPr>
+              <a:t>మా న వు డే మ హ నీ యు డు</a:t>
+            </a:r>
+            <a:endParaRPr lang="en-US" dirty="0">
+              <a:solidFill>
+                <a:schemeClr val="bg2"/>
+              </a:solidFill>
+            </a:endParaRPr>
+          </a:p>
+          <a:p>
+            <a:pPr marL="457200" indent="-457200">
+              <a:buAutoNum type="arabicPeriod"/>
+            </a:pPr>
+            <a:endParaRPr lang="en-US" dirty="0">
+              <a:solidFill>
+                <a:schemeClr val="bg2"/>
+              </a:solidFill>
+            </a:endParaRPr>
+          </a:p>
+          <a:p>
+            <a:pPr marL="457200" indent="-457200">
+              <a:buAutoNum type="arabicPeriod"/>
+            </a:pPr>
+            <a:endParaRPr lang="en-US" dirty="0">
+              <a:solidFill>
+                <a:schemeClr val="bg2"/>
+              </a:solidFill>
+            </a:endParaRPr>
+          </a:p>
+          <a:p>
+            <a:pPr marL="457200" indent="-457200">
+              <a:buAutoNum type="arabicPeriod"/>
+            </a:pPr>
+            <a:endParaRPr lang="en-US" dirty="0">
+              <a:solidFill>
+                <a:schemeClr val="bg2"/>
+              </a:solidFill>
+            </a:endParaRPr>
+          </a:p>
+          <a:p>
+            <a:pPr marL="457200" indent="-457200">
+              <a:buAutoNum type="arabicPeriod"/>
+            </a:pPr>
+            <a:endParaRPr lang="en-US" dirty="0">
+              <a:solidFill>
+                <a:schemeClr val="bg2"/>
+              </a:solidFill>
+            </a:endParaRPr>
+          </a:p>
+          <a:p>
+            <a:pPr marL="457200" indent="-457200">
+              <a:buAutoNum type="arabicPeriod"/>
+            </a:pPr>
+            <a:endParaRPr lang="en-US" dirty="0">
+              <a:solidFill>
+                <a:schemeClr val="bg2"/>
+              </a:solidFill>
+            </a:endParaRPr>
+          </a:p>
+          <a:p>
+            <a:pPr marL="457200" indent="-457200">
+              <a:buAutoNum type="arabicPeriod"/>
+            </a:pPr>
+            <a:endParaRPr lang="en-US" dirty="0">
+              <a:solidFill>
+                <a:schemeClr val="bg2"/>
+              </a:solidFill>
+            </a:endParaRPr>
+          </a:p>
+          <a:p>
+            <a:pPr marL="457200" indent="-457200">
+              <a:buAutoNum type="arabicPeriod"/>
+            </a:pPr>
+            <a:endParaRPr lang="en-US" dirty="0">
+              <a:solidFill>
+                <a:schemeClr val="bg2"/>
+              </a:solidFill>
+            </a:endParaRPr>
+          </a:p>
+          <a:p>
+            <a:pPr marL="457200" indent="-457200">
+              <a:buAutoNum type="arabicPeriod"/>
+            </a:pPr>
+            <a:endParaRPr lang="en-US" dirty="0">
+              <a:solidFill>
+                <a:schemeClr val="bg2"/>
+              </a:solidFill>
+            </a:endParaRPr>
+          </a:p>
+          <a:p>
+            <a:pPr marL="457200" indent="-457200">
+              <a:buAutoNum type="arabicPeriod"/>
+            </a:pPr>
+            <a:endParaRPr lang="en-US" dirty="0">
+              <a:solidFill>
+                <a:schemeClr val="bg2"/>
+              </a:solidFill>
+            </a:endParaRPr>
+          </a:p>
+          <a:p>
+            <a:pPr marL="457200" indent="-457200">
+              <a:buAutoNum type="arabicPeriod"/>
+            </a:pPr>
+            <a:endParaRPr lang="en-US" dirty="0">
+              <a:solidFill>
+                <a:schemeClr val="bg2"/>
+              </a:solidFill>
+            </a:endParaRPr>
+          </a:p>
+          <a:p>
+            <a:pPr marL="457200" indent="-457200">
+              <a:buAutoNum type="arabicPeriod"/>
+            </a:pPr>
+            <a:r>
+              <a:rPr lang="en-US" dirty="0">
+                <a:solidFill>
+                  <a:schemeClr val="bg2"/>
+                </a:solidFill>
+              </a:rPr>
+              <a:t>character</a:t>
+            </a:r>
+            <a:endParaRPr lang="te-IN" dirty="0">
+              <a:solidFill>
+                <a:schemeClr val="bg2"/>
+              </a:solidFill>
+            </a:endParaRPr>
+          </a:p>
+          <a:p>
+            <a:endParaRPr lang="en-US" dirty="0">
+              <a:solidFill>
+                <a:schemeClr val="bg2"/>
+              </a:solidFill>
+            </a:endParaRPr>
+          </a:p>
+        </p:txBody>
+      </p:sp>
+      <p:pic>
+        <p:nvPicPr>
+          <p:cNvPr id="6" name="Picture 5">
+            <a:extLst>
+              <a:ext uri="{FF2B5EF4-FFF2-40B4-BE49-F238E27FC236}">
+                <a16:creationId xmlns:a16="http://schemas.microsoft.com/office/drawing/2014/main" id="{528E0BC3-8420-4034-AE13-6DAE5FF7D62A}"/>
+              </a:ext>
+            </a:extLst>
+          </p:cNvPr>
+          <p:cNvPicPr>
+            <a:picLocks noChangeAspect="1"/>
+          </p:cNvPicPr>
+          <p:nvPr/>
+        </p:nvPicPr>
+        <p:blipFill>
+          <a:blip r:embed="rId2"/>
+          <a:stretch>
+            <a:fillRect/>
+          </a:stretch>
+        </p:blipFill>
+        <p:spPr>
+          <a:xfrm>
+            <a:off x="521617" y="5812740"/>
+            <a:ext cx="1535434" cy="1544684"/>
+          </a:xfrm>
+          <a:prstGeom prst="rect">
+            <a:avLst/>
+          </a:prstGeom>
+        </p:spPr>
+      </p:pic>
+      <p:pic>
+        <p:nvPicPr>
+          <p:cNvPr id="7" name="Picture 6">
+            <a:extLst>
+              <a:ext uri="{FF2B5EF4-FFF2-40B4-BE49-F238E27FC236}">
+                <a16:creationId xmlns:a16="http://schemas.microsoft.com/office/drawing/2014/main" id="{D0CFAAEA-0868-4A74-8F3B-06793C67489D}"/>
+              </a:ext>
+            </a:extLst>
+          </p:cNvPr>
+          <p:cNvPicPr>
+            <a:picLocks noChangeAspect="1"/>
+          </p:cNvPicPr>
+          <p:nvPr/>
+        </p:nvPicPr>
+        <p:blipFill>
+          <a:blip r:embed="rId3"/>
+          <a:stretch>
+            <a:fillRect/>
+          </a:stretch>
+        </p:blipFill>
+        <p:spPr>
+          <a:xfrm>
+            <a:off x="476054" y="7565231"/>
+            <a:ext cx="1551145" cy="1557337"/>
+          </a:xfrm>
+          <a:prstGeom prst="rect">
+            <a:avLst/>
+          </a:prstGeom>
+        </p:spPr>
+      </p:pic>
+      <p:sp>
+        <p:nvSpPr>
+          <p:cNvPr id="8" name="TextBox 7">
+            <a:extLst>
+              <a:ext uri="{FF2B5EF4-FFF2-40B4-BE49-F238E27FC236}">
+                <a16:creationId xmlns:a16="http://schemas.microsoft.com/office/drawing/2014/main" id="{526F32AE-E7E5-4062-BB8F-10D8976C23CE}"/>
+              </a:ext>
+            </a:extLst>
+          </p:cNvPr>
+          <p:cNvSpPr txBox="1"/>
+          <p:nvPr/>
+        </p:nvSpPr>
+        <p:spPr>
+          <a:xfrm>
+            <a:off x="944725" y="228600"/>
+            <a:ext cx="5641288" cy="461665"/>
+          </a:xfrm>
+          <a:prstGeom prst="rect">
+            <a:avLst/>
+          </a:prstGeom>
+          <a:noFill/>
+        </p:spPr>
+        <p:txBody>
+          <a:bodyPr wrap="none" rtlCol="0">
+            <a:spAutoFit/>
+          </a:bodyPr>
+          <a:lstStyle/>
+          <a:p>
+            <a:r>
+              <a:rPr lang="en-US" dirty="0">
+                <a:solidFill>
+                  <a:schemeClr val="bg2"/>
+                </a:solidFill>
+              </a:rPr>
+              <a:t>FP3 and FP4: Mass Generation (HTML)</a:t>
+            </a:r>
+          </a:p>
+        </p:txBody>
+      </p:sp>
+    </p:spTree>
+    <p:extLst>
+      <p:ext uri="{BB962C8B-B14F-4D97-AF65-F5344CB8AC3E}">
+        <p14:creationId xmlns:p14="http://schemas.microsoft.com/office/powerpoint/2010/main" val="238225336"/>
+      </p:ext>
+    </p:extLst>
+  </p:cSld>
+  <p:clrMapOvr>
+    <a:masterClrMapping/>
+  </p:clrMapOvr>
+  <p:transition>
+    <p:wipe dir="r"/>
+  </p:transition>
+</p:sld>
+</file>
+
+<file path=ppt/slides/slide12.xml><?xml version="1.0" encoding="utf-8"?>
+<p:sld xmlns:a="http://schemas.openxmlformats.org/drawingml/2006/main" xmlns:r="http://schemas.openxmlformats.org/officeDocument/2006/relationships" xmlns:p="http://schemas.openxmlformats.org/presentationml/2006/main">
+  <p:cSld>
+    <p:spTree>
+      <p:nvGrpSpPr>
+        <p:cNvPr id="1" name=""/>
+        <p:cNvGrpSpPr/>
+        <p:nvPr/>
+      </p:nvGrpSpPr>
+      <p:grpSpPr>
+        <a:xfrm>
+          <a:off x="0" y="0"/>
+          <a:ext cx="0" cy="0"/>
+          <a:chOff x="0" y="0"/>
+          <a:chExt cx="0" cy="0"/>
+        </a:xfrm>
+      </p:grpSpPr>
+      <p:sp>
+        <p:nvSpPr>
+          <p:cNvPr id="2" name="Slide Number Placeholder 1">
+            <a:extLst>
+              <a:ext uri="{FF2B5EF4-FFF2-40B4-BE49-F238E27FC236}">
+                <a16:creationId xmlns:a16="http://schemas.microsoft.com/office/drawing/2014/main" id="{73F70466-6770-4197-A4F6-7FE69FAF5F6A}"/>
+              </a:ext>
+            </a:extLst>
+          </p:cNvPr>
+          <p:cNvSpPr>
+            <a:spLocks noGrp="1"/>
+          </p:cNvSpPr>
+          <p:nvPr>
+            <p:ph type="sldNum" sz="quarter" idx="11"/>
+          </p:nvPr>
+        </p:nvSpPr>
+        <p:spPr/>
+        <p:txBody>
+          <a:bodyPr/>
+          <a:lstStyle/>
+          <a:p>
+            <a:pPr>
+              <a:defRPr/>
+            </a:pPr>
+            <a:fld id="{55707887-EE06-4E3F-9515-1ED64E674293}" type="slidenum">
+              <a:rPr lang="en-GB" smtClean="0"/>
+              <a:pPr>
+                <a:defRPr/>
+              </a:pPr>
+              <a:t>12</a:t>
+            </a:fld>
+            <a:endParaRPr lang="en-GB">
+              <a:solidFill>
+                <a:srgbClr val="FFFFFF"/>
+              </a:solidFill>
+            </a:endParaRPr>
+          </a:p>
+        </p:txBody>
+      </p:sp>
+      <p:sp>
+        <p:nvSpPr>
+          <p:cNvPr id="4" name="Rectangle 1">
+            <a:extLst>
+              <a:ext uri="{FF2B5EF4-FFF2-40B4-BE49-F238E27FC236}">
+                <a16:creationId xmlns:a16="http://schemas.microsoft.com/office/drawing/2014/main" id="{A3D3C097-1397-4444-8EC2-28961302D61C}"/>
+              </a:ext>
+            </a:extLst>
+          </p:cNvPr>
+          <p:cNvSpPr>
+            <a:spLocks noChangeArrowheads="1"/>
+          </p:cNvSpPr>
+          <p:nvPr/>
+        </p:nvSpPr>
+        <p:spPr bwMode="auto">
+          <a:xfrm>
+            <a:off x="3001963" y="2019300"/>
+            <a:ext cx="9144000" cy="0"/>
+          </a:xfrm>
+          <a:prstGeom prst="rect">
+            <a:avLst/>
+          </a:prstGeom>
+          <a:noFill/>
+          <a:ln>
+            <a:noFill/>
+          </a:ln>
+          <a:effectLst/>
+          <a:extLst>
+            <a:ext uri="{909E8E84-426E-40DD-AFC4-6F175D3DCCD1}">
+              <a14:hiddenFill xmlns:a14="http://schemas.microsoft.com/office/drawing/2010/main">
+                <a:solidFill>
+                  <a:schemeClr val="accent1"/>
+                </a:solidFill>
+              </a14:hiddenFill>
+            </a:ext>
+            <a:ext uri="{91240B29-F687-4F45-9708-019B960494DF}">
+              <a14:hiddenLine xmlns:a14="http://schemas.microsoft.com/office/drawing/2010/main" w="9525">
+                <a:solidFill>
+                  <a:schemeClr val="tx1"/>
+                </a:solidFill>
+                <a:miter lim="800000"/>
+                <a:headEnd/>
+                <a:tailEnd/>
+              </a14:hiddenLine>
+            </a:ext>
+            <a:ext uri="{AF507438-7753-43E0-B8FC-AC1667EBCBE1}">
+              <a14:hiddenEffects xmlns:a14="http://schemas.microsoft.com/office/drawing/2010/main">
+                <a:effectLst>
+                  <a:outerShdw dist="35921" dir="2700000" algn="ctr" rotWithShape="0">
+                    <a:schemeClr val="bg2"/>
+                  </a:outerShdw>
+                </a:effectLst>
+              </a14:hiddenEffects>
+            </a:ext>
+          </a:extLst>
+        </p:spPr>
+        <p:txBody>
+          <a:bodyPr vert="horz" wrap="none" lIns="91440" tIns="45720" rIns="91440" bIns="45720" numCol="1" anchor="ctr" anchorCtr="0" compatLnSpc="1">
+            <a:prstTxWarp prst="textNoShape">
+              <a:avLst/>
+            </a:prstTxWarp>
+            <a:spAutoFit/>
+          </a:bodyPr>
+          <a:lstStyle/>
+          <a:p>
+            <a:pPr marL="0" marR="0" lvl="0" indent="0" algn="l" defTabSz="914400" rtl="0" eaLnBrk="0" fontAlgn="base" latinLnBrk="0" hangingPunct="0">
+              <a:lnSpc>
+                <a:spcPct val="100000"/>
+              </a:lnSpc>
+              <a:spcBef>
+                <a:spcPct val="0"/>
+              </a:spcBef>
+              <a:spcAft>
+                <a:spcPct val="0"/>
+              </a:spcAft>
+              <a:buClrTx/>
+              <a:buSzTx/>
+              <a:buFontTx/>
+              <a:buNone/>
+              <a:tabLst/>
+            </a:pPr>
+            <a:br>
+              <a:rPr kumimoji="0" lang="en-US" altLang="en-US" sz="1800" b="0" i="0" u="none" strike="noStrike" cap="none" normalizeH="0" baseline="0">
+                <a:ln>
+                  <a:noFill/>
+                </a:ln>
+                <a:solidFill>
+                  <a:schemeClr val="tx1"/>
+                </a:solidFill>
+                <a:effectLst/>
+                <a:latin typeface="Arial" panose="020B0604020202020204" pitchFamily="34" charset="0"/>
+              </a:rPr>
+            </a:br>
+            <a:endParaRPr kumimoji="0" lang="en-US" altLang="en-US" sz="1800" b="0" i="0" u="none" strike="noStrike" cap="none" normalizeH="0" baseline="0">
+              <a:ln>
+                <a:noFill/>
+              </a:ln>
+              <a:solidFill>
+                <a:schemeClr val="tx1"/>
+              </a:solidFill>
+              <a:effectLst/>
+              <a:latin typeface="Arial" panose="020B0604020202020204" pitchFamily="34" charset="0"/>
+            </a:endParaRPr>
+          </a:p>
+        </p:txBody>
+      </p:sp>
+      <p:sp>
+        <p:nvSpPr>
+          <p:cNvPr id="5" name="TextBox 4">
+            <a:extLst>
+              <a:ext uri="{FF2B5EF4-FFF2-40B4-BE49-F238E27FC236}">
+                <a16:creationId xmlns:a16="http://schemas.microsoft.com/office/drawing/2014/main" id="{B8BC7909-36EA-4656-ADE4-2D3A6A3497B5}"/>
+              </a:ext>
+            </a:extLst>
+          </p:cNvPr>
+          <p:cNvSpPr txBox="1"/>
+          <p:nvPr/>
+        </p:nvSpPr>
+        <p:spPr>
+          <a:xfrm>
+            <a:off x="944725" y="228600"/>
+            <a:ext cx="6463629" cy="461665"/>
+          </a:xfrm>
+          <a:prstGeom prst="rect">
+            <a:avLst/>
+          </a:prstGeom>
+          <a:noFill/>
+        </p:spPr>
+        <p:txBody>
+          <a:bodyPr wrap="none" rtlCol="0">
+            <a:spAutoFit/>
+          </a:bodyPr>
+          <a:lstStyle/>
+          <a:p>
+            <a:r>
+              <a:rPr lang="en-US" dirty="0">
+                <a:solidFill>
+                  <a:schemeClr val="bg2"/>
+                </a:solidFill>
+              </a:rPr>
+              <a:t>FP3 and FP4: Mass Generation (Power Point)</a:t>
+            </a:r>
+          </a:p>
+        </p:txBody>
+      </p:sp>
+      <p:sp>
+        <p:nvSpPr>
+          <p:cNvPr id="6" name="TextBox 5">
+            <a:extLst>
+              <a:ext uri="{FF2B5EF4-FFF2-40B4-BE49-F238E27FC236}">
+                <a16:creationId xmlns:a16="http://schemas.microsoft.com/office/drawing/2014/main" id="{6B2D3545-5826-4BA4-AC51-736B8F4953DF}"/>
+              </a:ext>
+            </a:extLst>
+          </p:cNvPr>
+          <p:cNvSpPr txBox="1"/>
+          <p:nvPr/>
+        </p:nvSpPr>
+        <p:spPr>
+          <a:xfrm>
+            <a:off x="457200" y="1788467"/>
+            <a:ext cx="8821197" cy="4154984"/>
+          </a:xfrm>
+          <a:prstGeom prst="rect">
+            <a:avLst/>
+          </a:prstGeom>
+          <a:noFill/>
+        </p:spPr>
+        <p:txBody>
+          <a:bodyPr wrap="none" rtlCol="0">
+            <a:spAutoFit/>
+          </a:bodyPr>
+          <a:lstStyle/>
+          <a:p>
+            <a:r>
+              <a:rPr lang="en-US" dirty="0">
+                <a:solidFill>
+                  <a:schemeClr val="bg2"/>
+                </a:solidFill>
+              </a:rPr>
+              <a:t>A Power Point presentation will be created.</a:t>
+            </a:r>
+          </a:p>
+          <a:p>
+            <a:endParaRPr lang="en-US" dirty="0">
+              <a:solidFill>
+                <a:schemeClr val="bg2"/>
+              </a:solidFill>
+            </a:endParaRPr>
+          </a:p>
+          <a:p>
+            <a:r>
+              <a:rPr lang="en-US" dirty="0">
+                <a:solidFill>
+                  <a:schemeClr val="bg2"/>
+                </a:solidFill>
+              </a:rPr>
+              <a:t>wordoku_timestamp.pptx</a:t>
+            </a:r>
+          </a:p>
+          <a:p>
+            <a:endParaRPr lang="en-US" dirty="0">
+              <a:solidFill>
+                <a:schemeClr val="bg2"/>
+              </a:solidFill>
+            </a:endParaRPr>
+          </a:p>
+          <a:p>
+            <a:endParaRPr lang="en-US" dirty="0">
+              <a:solidFill>
+                <a:schemeClr val="bg2"/>
+              </a:solidFill>
+            </a:endParaRPr>
+          </a:p>
+          <a:p>
+            <a:r>
+              <a:rPr lang="en-US" dirty="0">
+                <a:solidFill>
+                  <a:schemeClr val="bg2"/>
+                </a:solidFill>
+              </a:rPr>
+              <a:t>Test Case: If my range is from 1 to 50, you will produce a PPTX</a:t>
+            </a:r>
+          </a:p>
+          <a:p>
+            <a:r>
+              <a:rPr lang="en-US" dirty="0">
+                <a:solidFill>
+                  <a:schemeClr val="bg2"/>
+                </a:solidFill>
+              </a:rPr>
+              <a:t>With 100 slides</a:t>
+            </a:r>
+          </a:p>
+          <a:p>
+            <a:endParaRPr lang="en-US" dirty="0">
+              <a:solidFill>
+                <a:schemeClr val="bg2"/>
+              </a:solidFill>
+            </a:endParaRPr>
+          </a:p>
+          <a:p>
+            <a:r>
+              <a:rPr lang="en-US" dirty="0">
+                <a:solidFill>
+                  <a:schemeClr val="bg2"/>
+                </a:solidFill>
+              </a:rPr>
+              <a:t>If my range is 10, your </a:t>
+            </a:r>
+            <a:r>
+              <a:rPr lang="en-US" dirty="0" err="1">
+                <a:solidFill>
+                  <a:schemeClr val="bg2"/>
+                </a:solidFill>
+              </a:rPr>
+              <a:t>PPTx</a:t>
+            </a:r>
+            <a:r>
+              <a:rPr lang="en-US" dirty="0">
+                <a:solidFill>
+                  <a:schemeClr val="bg2"/>
+                </a:solidFill>
+              </a:rPr>
+              <a:t> will have 20 slides.</a:t>
+            </a:r>
+          </a:p>
+          <a:p>
+            <a:endParaRPr lang="en-US" dirty="0">
+              <a:solidFill>
+                <a:schemeClr val="bg2"/>
+              </a:solidFill>
+            </a:endParaRPr>
+          </a:p>
+          <a:p>
+            <a:endParaRPr lang="en-US" dirty="0">
+              <a:solidFill>
+                <a:schemeClr val="bg2"/>
+              </a:solidFill>
+            </a:endParaRPr>
+          </a:p>
+        </p:txBody>
+      </p:sp>
+    </p:spTree>
+    <p:extLst>
+      <p:ext uri="{BB962C8B-B14F-4D97-AF65-F5344CB8AC3E}">
+        <p14:creationId xmlns:p14="http://schemas.microsoft.com/office/powerpoint/2010/main" val="1774205299"/>
+      </p:ext>
+    </p:extLst>
+  </p:cSld>
+  <p:clrMapOvr>
+    <a:masterClrMapping/>
+  </p:clrMapOvr>
+  <p:transition>
+    <p:wipe dir="r"/>
+  </p:transition>
+</p:sld>
+</file>
+
+<file path=ppt/slides/slide13.xml><?xml version="1.0" encoding="utf-8"?>
+<p:sld xmlns:a="http://schemas.openxmlformats.org/drawingml/2006/main" xmlns:r="http://schemas.openxmlformats.org/officeDocument/2006/relationships" xmlns:p="http://schemas.openxmlformats.org/presentationml/2006/main">
+  <p:cSld>
+    <p:spTree>
+      <p:nvGrpSpPr>
+        <p:cNvPr id="1" name=""/>
+        <p:cNvGrpSpPr/>
+        <p:nvPr/>
+      </p:nvGrpSpPr>
+      <p:grpSpPr>
+        <a:xfrm>
+          <a:off x="0" y="0"/>
+          <a:ext cx="0" cy="0"/>
+          <a:chOff x="0" y="0"/>
+          <a:chExt cx="0" cy="0"/>
+        </a:xfrm>
+      </p:grpSpPr>
+      <p:sp>
+        <p:nvSpPr>
+          <p:cNvPr id="2" name="Rectangle 2">
+            <a:extLst>
+              <a:ext uri="{FF2B5EF4-FFF2-40B4-BE49-F238E27FC236}">
+                <a16:creationId xmlns:a16="http://schemas.microsoft.com/office/drawing/2014/main" id="{78B07709-97CC-42A8-9B23-59FCDC8FAE05}"/>
+              </a:ext>
+            </a:extLst>
+          </p:cNvPr>
+          <p:cNvSpPr>
+            <a:spLocks noChangeArrowheads="1"/>
+          </p:cNvSpPr>
+          <p:nvPr/>
+        </p:nvSpPr>
+        <p:spPr bwMode="auto">
+          <a:xfrm>
+            <a:off x="0" y="0"/>
+            <a:ext cx="9144000" cy="0"/>
+          </a:xfrm>
+          <a:prstGeom prst="rect">
+            <a:avLst/>
+          </a:prstGeom>
+          <a:noFill/>
+          <a:ln>
+            <a:noFill/>
+          </a:ln>
+          <a:effectLst>
+            <a:prstShdw prst="shdw17" dist="17961" dir="2700000">
+              <a:schemeClr val="accent1">
+                <a:gamma/>
+                <a:shade val="60000"/>
+                <a:invGamma/>
+              </a:schemeClr>
+            </a:prstShdw>
+          </a:effectLst>
+          <a:extLst>
+            <a:ext uri="{909E8E84-426E-40DD-AFC4-6F175D3DCCD1}">
+              <a14:hiddenFill xmlns:a14="http://schemas.microsoft.com/office/drawing/2010/main">
+                <a:solidFill>
+                  <a:schemeClr val="accent1"/>
+                </a:solidFill>
+              </a14:hiddenFill>
+            </a:ext>
+            <a:ext uri="{91240B29-F687-4F45-9708-019B960494DF}">
+              <a14:hiddenLine xmlns:a14="http://schemas.microsoft.com/office/drawing/2010/main" w="12700" cap="flat" cmpd="sng">
+                <a:solidFill>
+                  <a:schemeClr val="tx1"/>
+                </a:solidFill>
+                <a:prstDash val="solid"/>
+                <a:miter lim="800000"/>
+                <a:headEnd type="none" w="sm" len="sm"/>
+                <a:tailEnd type="none" w="sm" len="sm"/>
+              </a14:hiddenLine>
+            </a:ext>
+          </a:extLst>
+        </p:spPr>
+        <p:txBody>
+          <a:bodyPr wrap="none" anchor="ctr">
+            <a:spAutoFit/>
+          </a:bodyPr>
+          <a:lstStyle/>
+          <a:p>
+            <a:pPr>
+              <a:defRPr/>
+            </a:pPr>
+            <a:endParaRPr lang="en-US">
+              <a:cs typeface="+mn-cs"/>
+            </a:endParaRPr>
+          </a:p>
+        </p:txBody>
+      </p:sp>
+      <p:sp>
+        <p:nvSpPr>
+          <p:cNvPr id="6" name="TextBox 5">
+            <a:extLst>
+              <a:ext uri="{FF2B5EF4-FFF2-40B4-BE49-F238E27FC236}">
+                <a16:creationId xmlns:a16="http://schemas.microsoft.com/office/drawing/2014/main" id="{7FB9AC0E-8734-4613-976B-11D0BEFFF939}"/>
+              </a:ext>
+            </a:extLst>
+          </p:cNvPr>
+          <p:cNvSpPr txBox="1"/>
+          <p:nvPr/>
+        </p:nvSpPr>
+        <p:spPr>
+          <a:xfrm>
+            <a:off x="1066800" y="157742"/>
+            <a:ext cx="7992386" cy="461665"/>
+          </a:xfrm>
+          <a:prstGeom prst="rect">
+            <a:avLst/>
+          </a:prstGeom>
+          <a:noFill/>
+        </p:spPr>
+        <p:txBody>
+          <a:bodyPr wrap="square" rtlCol="0">
+            <a:spAutoFit/>
+          </a:bodyPr>
+          <a:lstStyle/>
+          <a:p>
+            <a:r>
+              <a:rPr lang="en-US" b="1" dirty="0">
+                <a:solidFill>
+                  <a:schemeClr val="bg2"/>
+                </a:solidFill>
+              </a:rPr>
+              <a:t>Any questions?</a:t>
+            </a:r>
+            <a:endParaRPr lang="en-US" dirty="0">
+              <a:solidFill>
+                <a:schemeClr val="bg2"/>
+              </a:solidFill>
+            </a:endParaRPr>
+          </a:p>
+        </p:txBody>
+      </p:sp>
+      <p:pic>
+        <p:nvPicPr>
+          <p:cNvPr id="2050" name="Picture 2" descr="How to Respond to &quot;Do You Have Any Questions for Me?&quot; - Talent Economy">
+            <a:extLst>
+              <a:ext uri="{FF2B5EF4-FFF2-40B4-BE49-F238E27FC236}">
+                <a16:creationId xmlns:a16="http://schemas.microsoft.com/office/drawing/2014/main" id="{A9235478-4569-4AE0-8514-18F17A128DC7}"/>
+              </a:ext>
+            </a:extLst>
+          </p:cNvPr>
+          <p:cNvPicPr>
+            <a:picLocks noChangeAspect="1" noChangeArrowheads="1"/>
+          </p:cNvPicPr>
+          <p:nvPr/>
+        </p:nvPicPr>
+        <p:blipFill>
+          <a:blip r:embed="rId2">
+            <a:extLst>
+              <a:ext uri="{28A0092B-C50C-407E-A947-70E740481C1C}">
+                <a14:useLocalDpi xmlns:a14="http://schemas.microsoft.com/office/drawing/2010/main" val="0"/>
+              </a:ext>
+            </a:extLst>
+          </a:blip>
+          <a:srcRect/>
+          <a:stretch>
+            <a:fillRect/>
+          </a:stretch>
+        </p:blipFill>
+        <p:spPr bwMode="auto">
+          <a:xfrm>
+            <a:off x="2114550" y="2133600"/>
+            <a:ext cx="4032738" cy="3048000"/>
+          </a:xfrm>
+          <a:prstGeom prst="rect">
+            <a:avLst/>
+          </a:prstGeom>
+          <a:noFill/>
+          <a:extLst>
+            <a:ext uri="{909E8E84-426E-40DD-AFC4-6F175D3DCCD1}">
+              <a14:hiddenFill xmlns:a14="http://schemas.microsoft.com/office/drawing/2010/main">
+                <a:solidFill>
+                  <a:srgbClr val="FFFFFF"/>
+                </a:solidFill>
+              </a14:hiddenFill>
+            </a:ext>
+          </a:extLst>
+        </p:spPr>
+      </p:pic>
+    </p:spTree>
+    <p:extLst>
+      <p:ext uri="{BB962C8B-B14F-4D97-AF65-F5344CB8AC3E}">
+        <p14:creationId xmlns:p14="http://schemas.microsoft.com/office/powerpoint/2010/main" val="555213981"/>
+      </p:ext>
+    </p:extLst>
+  </p:cSld>
+  <p:clrMapOvr>
+    <a:masterClrMapping/>
+  </p:clrMapOvr>
+  <p:transition/>
+</p:sld>
+</file>
+
 <file path=ppt/slides/slide2.xml><?xml version="1.0" encoding="utf-8"?>
 <p:sld xmlns:a="http://schemas.openxmlformats.org/drawingml/2006/main" xmlns:r="http://schemas.openxmlformats.org/officeDocument/2006/relationships" xmlns:p="http://schemas.openxmlformats.org/presentationml/2006/main">
   <p:cSld>
@@ -2922,7 +4278,7 @@
                 <a:latin typeface="+mn-lt"/>
                 <a:cs typeface="NATS" pitchFamily="2" charset="0"/>
               </a:rPr>
-              <a:t>[2] As of now it works only for 2x2, 3x3 and 4x4 words.</a:t>
+              <a:t>[2] (FP2) As of now it works only for 2x2, 3x3 and 4x4 words.</a:t>
             </a:r>
           </a:p>
           <a:p>
@@ -2955,7 +4311,7 @@
                 <a:latin typeface="+mn-lt"/>
                 <a:cs typeface="NATS" pitchFamily="2" charset="0"/>
               </a:rPr>
-              <a:t>[3] Provide database persistence support for saving the words.</a:t>
+              <a:t>[3] (FP1 done) Provide database persistence support for saving the words.</a:t>
             </a:r>
           </a:p>
           <a:p>
@@ -2997,7 +4353,7 @@
                 <a:latin typeface="+mn-lt"/>
                 <a:cs typeface="NATS" pitchFamily="2" charset="0"/>
               </a:rPr>
-              <a:t>[5] Provide support for the mass-generation of the puzzles.</a:t>
+              <a:t>[5] (FP3 and FP4) Provide support for the mass-generation of the puzzles.</a:t>
             </a:r>
           </a:p>
           <a:p>
@@ -3018,7 +4374,7 @@
                 <a:latin typeface="+mn-lt"/>
                 <a:cs typeface="NATS" pitchFamily="2" charset="0"/>
               </a:rPr>
-              <a:t>[6] Provide support for the list view of the words</a:t>
+              <a:t>[6] (FP1 done) Provide support for the list view of the words</a:t>
             </a:r>
           </a:p>
           <a:p>
@@ -3039,37 +4395,7 @@
                 <a:latin typeface="+mn-lt"/>
                 <a:cs typeface="NATS" pitchFamily="2" charset="0"/>
               </a:rPr>
-              <a:t>[7] Provide support for the web-</a:t>
-            </a:r>
-            <a:r>
-              <a:rPr lang="en-US" sz="1800" dirty="0" err="1">
-                <a:solidFill>
-                  <a:schemeClr val="bg2"/>
-                </a:solidFill>
-                <a:latin typeface="+mn-lt"/>
-                <a:cs typeface="NATS" pitchFamily="2" charset="0"/>
-              </a:rPr>
-              <a:t>servies</a:t>
-            </a:r>
-            <a:r>
-              <a:rPr lang="en-US" sz="1800" dirty="0">
-                <a:solidFill>
-                  <a:schemeClr val="bg2"/>
-                </a:solidFill>
-                <a:latin typeface="+mn-lt"/>
-                <a:cs typeface="NATS" pitchFamily="2" charset="0"/>
-              </a:rPr>
-              <a:t> using which sudoku puzzles can be </a:t>
-            </a:r>
-            <a:r>
-              <a:rPr lang="en-US" sz="1800">
-                <a:solidFill>
-                  <a:schemeClr val="bg2"/>
-                </a:solidFill>
-                <a:latin typeface="+mn-lt"/>
-                <a:cs typeface="NATS" pitchFamily="2" charset="0"/>
-              </a:rPr>
-              <a:t>created.</a:t>
+              <a:t>[7] Provide support for the web-services using which sudoku puzzles can be created.</a:t>
             </a:r>
           </a:p>
           <a:p>
@@ -3146,81 +4472,79 @@
       </p:grpSpPr>
       <p:sp>
         <p:nvSpPr>
-          <p:cNvPr id="2" name="Rectangle 2">
+          <p:cNvPr id="2" name="Slide Number Placeholder 1">
             <a:extLst>
               <a:ext uri="{FF2B5EF4-FFF2-40B4-BE49-F238E27FC236}">
-                <a16:creationId xmlns:a16="http://schemas.microsoft.com/office/drawing/2014/main" id="{78B07709-97CC-42A8-9B23-59FCDC8FAE05}"/>
+                <a16:creationId xmlns:a16="http://schemas.microsoft.com/office/drawing/2014/main" id="{DE8B1718-AC1E-4B32-B479-734689B7C337}"/>
               </a:ext>
             </a:extLst>
           </p:cNvPr>
           <p:cNvSpPr>
-            <a:spLocks noChangeArrowheads="1"/>
+            <a:spLocks noGrp="1"/>
           </p:cNvSpPr>
+          <p:nvPr>
+            <p:ph type="sldNum" sz="quarter" idx="11"/>
+          </p:nvPr>
+        </p:nvSpPr>
+        <p:spPr/>
+        <p:txBody>
+          <a:bodyPr/>
+          <a:lstStyle/>
+          <a:p>
+            <a:pPr>
+              <a:defRPr/>
+            </a:pPr>
+            <a:fld id="{55707887-EE06-4E3F-9515-1ED64E674293}" type="slidenum">
+              <a:rPr lang="en-GB" smtClean="0"/>
+              <a:pPr>
+                <a:defRPr/>
+              </a:pPr>
+              <a:t>4</a:t>
+            </a:fld>
+            <a:endParaRPr lang="en-GB">
+              <a:solidFill>
+                <a:srgbClr val="FFFFFF"/>
+              </a:solidFill>
+            </a:endParaRPr>
+          </a:p>
+        </p:txBody>
+      </p:sp>
+      <p:pic>
+        <p:nvPicPr>
+          <p:cNvPr id="3" name="Picture 2">
+            <a:extLst>
+              <a:ext uri="{FF2B5EF4-FFF2-40B4-BE49-F238E27FC236}">
+                <a16:creationId xmlns:a16="http://schemas.microsoft.com/office/drawing/2014/main" id="{3FAED005-7EB9-479C-8419-842040004A1C}"/>
+              </a:ext>
+            </a:extLst>
+          </p:cNvPr>
+          <p:cNvPicPr>
+            <a:picLocks noChangeAspect="1"/>
+          </p:cNvPicPr>
           <p:nvPr/>
-        </p:nvSpPr>
-        <p:spPr bwMode="auto">
+        </p:nvPicPr>
+        <p:blipFill>
+          <a:blip r:embed="rId2"/>
+          <a:stretch>
+            <a:fillRect/>
+          </a:stretch>
+        </p:blipFill>
+        <p:spPr>
           <a:xfrm>
-            <a:off x="0" y="0"/>
-            <a:ext cx="9144000" cy="0"/>
+            <a:off x="214312" y="1752600"/>
+            <a:ext cx="8715375" cy="2657475"/>
           </a:xfrm>
           <a:prstGeom prst="rect">
             <a:avLst/>
           </a:prstGeom>
-          <a:noFill/>
-          <a:ln>
-            <a:noFill/>
-          </a:ln>
-          <a:effectLst>
-            <a:prstShdw prst="shdw17" dist="17961" dir="2700000">
-              <a:schemeClr val="accent1">
-                <a:gamma/>
-                <a:shade val="60000"/>
-                <a:invGamma/>
-              </a:schemeClr>
-            </a:prstShdw>
-          </a:effectLst>
-          <a:extLst>
-            <a:ext uri="{909E8E84-426E-40DD-AFC4-6F175D3DCCD1}">
-              <a14:hiddenFill xmlns:a14="http://schemas.microsoft.com/office/drawing/2010/main">
-                <a:solidFill>
-                  <a:schemeClr val="accent1"/>
-                </a:solidFill>
-              </a14:hiddenFill>
-            </a:ext>
-            <a:ext uri="{91240B29-F687-4F45-9708-019B960494DF}">
-              <a14:hiddenLine xmlns:a14="http://schemas.microsoft.com/office/drawing/2010/main" w="12700" cap="flat" cmpd="sng">
-                <a:solidFill>
-                  <a:schemeClr val="tx1"/>
-                </a:solidFill>
-                <a:prstDash val="solid"/>
-                <a:miter lim="800000"/>
-                <a:headEnd type="none" w="sm" len="sm"/>
-                <a:tailEnd type="none" w="sm" len="sm"/>
-              </a14:hiddenLine>
-            </a:ext>
-          </a:extLst>
         </p:spPr>
-        <p:txBody>
-          <a:bodyPr wrap="none" anchor="ctr">
-            <a:spAutoFit/>
-          </a:bodyPr>
-          <a:lstStyle/>
-          <a:p>
-            <a:pPr>
-              <a:defRPr/>
-            </a:pPr>
-            <a:endParaRPr lang="en-US">
-              <a:cs typeface="+mn-cs"/>
-            </a:endParaRPr>
-          </a:p>
-        </p:txBody>
-      </p:sp>
+      </p:pic>
       <p:sp>
         <p:nvSpPr>
-          <p:cNvPr id="6" name="TextBox 5">
+          <p:cNvPr id="4" name="TextBox 3">
             <a:extLst>
               <a:ext uri="{FF2B5EF4-FFF2-40B4-BE49-F238E27FC236}">
-                <a16:creationId xmlns:a16="http://schemas.microsoft.com/office/drawing/2014/main" id="{7FB9AC0E-8734-4613-976B-11D0BEFFF939}"/>
+                <a16:creationId xmlns:a16="http://schemas.microsoft.com/office/drawing/2014/main" id="{0AD28EFE-30F0-4007-A998-2AD5BF7F3913}"/>
               </a:ext>
             </a:extLst>
           </p:cNvPr>
@@ -3229,8 +4553,47 @@
         </p:nvSpPr>
         <p:spPr>
           <a:xfrm>
-            <a:off x="1066800" y="157742"/>
-            <a:ext cx="7992386" cy="461665"/>
+            <a:off x="1143000" y="381000"/>
+            <a:ext cx="5492081" cy="338554"/>
+          </a:xfrm>
+          <a:prstGeom prst="rect">
+            <a:avLst/>
+          </a:prstGeom>
+          <a:noFill/>
+        </p:spPr>
+        <p:txBody>
+          <a:bodyPr wrap="none" rtlCol="0">
+            <a:spAutoFit/>
+          </a:bodyPr>
+          <a:lstStyle/>
+          <a:p>
+            <a:r>
+              <a:rPr lang="en-US" sz="1600" dirty="0">
+                <a:solidFill>
+                  <a:schemeClr val="bg2"/>
+                </a:solidFill>
+              </a:rPr>
+              <a:t>FP2: Add three buttons called “Modify”, Delete “Generate” </a:t>
+            </a:r>
+          </a:p>
+        </p:txBody>
+      </p:sp>
+      <p:sp>
+        <p:nvSpPr>
+          <p:cNvPr id="5" name="TextBox 4">
+            <a:extLst>
+              <a:ext uri="{FF2B5EF4-FFF2-40B4-BE49-F238E27FC236}">
+                <a16:creationId xmlns:a16="http://schemas.microsoft.com/office/drawing/2014/main" id="{EB836638-2328-4527-8EBC-B71D9E588079}"/>
+              </a:ext>
+            </a:extLst>
+          </p:cNvPr>
+          <p:cNvSpPr txBox="1"/>
+          <p:nvPr/>
+        </p:nvSpPr>
+        <p:spPr>
+          <a:xfrm>
+            <a:off x="211171" y="4648200"/>
+            <a:ext cx="8399430" cy="1569660"/>
           </a:xfrm>
           <a:prstGeom prst="rect">
             <a:avLst/>
@@ -3244,79 +4607,1501 @@
           <a:lstStyle/>
           <a:p>
             <a:r>
-              <a:rPr lang="en-US" b="1" dirty="0">
-                <a:solidFill>
-                  <a:schemeClr val="bg2"/>
-                </a:solidFill>
-              </a:rPr>
-              <a:t>Any questions?</a:t>
-            </a:r>
-            <a:endParaRPr lang="en-US" dirty="0">
+              <a:rPr lang="en-US" sz="1600" dirty="0">
+                <a:solidFill>
+                  <a:schemeClr val="bg2"/>
+                </a:solidFill>
+              </a:rPr>
+              <a:t>Modify:   It helps the users to EDIT the word</a:t>
+            </a:r>
+          </a:p>
+          <a:p>
+            <a:r>
+              <a:rPr lang="en-US" sz="1600" dirty="0">
+                <a:solidFill>
+                  <a:schemeClr val="bg2"/>
+                </a:solidFill>
+              </a:rPr>
+              <a:t>DELETE: It deletes the word from the database and control comes back to the list</a:t>
+            </a:r>
+          </a:p>
+          <a:p>
+            <a:endParaRPr lang="en-US" sz="1600" dirty="0">
               <a:solidFill>
                 <a:schemeClr val="bg2"/>
               </a:solidFill>
             </a:endParaRPr>
+          </a:p>
+          <a:p>
+            <a:r>
+              <a:rPr lang="en-US" sz="1600" dirty="0">
+                <a:solidFill>
+                  <a:schemeClr val="bg2"/>
+                </a:solidFill>
+              </a:rPr>
+              <a:t>Generate:  It takes the control to the existing page.</a:t>
+            </a:r>
+          </a:p>
+          <a:p>
+            <a:r>
+              <a:rPr lang="en-US" sz="1600" dirty="0">
+                <a:solidFill>
+                  <a:schemeClr val="bg2"/>
+                </a:solidFill>
+                <a:hlinkClick r:id="rId3"/>
+              </a:rPr>
+              <a:t>http://localhost/wordoku/wordokuPuzzle.php?size=4x4&amp;hidecount=70&amp;difficulty=Expert&amp;word=123456789abcdefg&amp;showsolution=true</a:t>
+            </a:r>
+            <a:r>
+              <a:rPr lang="en-US" sz="1600" dirty="0">
+                <a:solidFill>
+                  <a:schemeClr val="bg2"/>
+                </a:solidFill>
+              </a:rPr>
+              <a:t> </a:t>
+            </a:r>
           </a:p>
         </p:txBody>
       </p:sp>
-      <p:pic>
-        <p:nvPicPr>
-          <p:cNvPr id="2050" name="Picture 2" descr="How to Respond to &quot;Do You Have Any Questions for Me?&quot; - Talent Economy">
+      <p:sp>
+        <p:nvSpPr>
+          <p:cNvPr id="6" name="TextBox 5">
             <a:extLst>
               <a:ext uri="{FF2B5EF4-FFF2-40B4-BE49-F238E27FC236}">
-                <a16:creationId xmlns:a16="http://schemas.microsoft.com/office/drawing/2014/main" id="{A9235478-4569-4AE0-8514-18F17A128DC7}"/>
+                <a16:creationId xmlns:a16="http://schemas.microsoft.com/office/drawing/2014/main" id="{790A32C8-1F95-46F2-AC69-8FFBE3397534}"/>
               </a:ext>
             </a:extLst>
           </p:cNvPr>
-          <p:cNvPicPr>
-            <a:picLocks noChangeAspect="1" noChangeArrowheads="1"/>
-          </p:cNvPicPr>
+          <p:cNvSpPr txBox="1"/>
           <p:nvPr/>
-        </p:nvPicPr>
-        <p:blipFill>
-          <a:blip r:embed="rId2">
-            <a:extLst>
-              <a:ext uri="{28A0092B-C50C-407E-A947-70E740481C1C}">
-                <a14:useLocalDpi xmlns:a14="http://schemas.microsoft.com/office/drawing/2010/main" val="0"/>
-              </a:ext>
-            </a:extLst>
-          </a:blip>
-          <a:srcRect/>
-          <a:stretch>
-            <a:fillRect/>
-          </a:stretch>
-        </p:blipFill>
-        <p:spPr bwMode="auto">
+        </p:nvSpPr>
+        <p:spPr>
           <a:xfrm>
-            <a:off x="2114550" y="2133600"/>
-            <a:ext cx="4032738" cy="3048000"/>
+            <a:off x="4861380" y="3427429"/>
+            <a:ext cx="3584251" cy="461665"/>
           </a:xfrm>
           <a:prstGeom prst="rect">
             <a:avLst/>
           </a:prstGeom>
           <a:noFill/>
-          <a:extLst>
-            <a:ext uri="{909E8E84-426E-40DD-AFC4-6F175D3DCCD1}">
-              <a14:hiddenFill xmlns:a14="http://schemas.microsoft.com/office/drawing/2010/main">
-                <a:solidFill>
-                  <a:srgbClr val="FFFFFF"/>
-                </a:solidFill>
-              </a14:hiddenFill>
-            </a:ext>
-          </a:extLst>
         </p:spPr>
-      </p:pic>
+        <p:txBody>
+          <a:bodyPr wrap="none" rtlCol="0">
+            <a:spAutoFit/>
+          </a:bodyPr>
+          <a:lstStyle/>
+          <a:p>
+            <a:r>
+              <a:rPr lang="en-US" dirty="0">
+                <a:solidFill>
+                  <a:schemeClr val="bg2"/>
+                </a:solidFill>
+              </a:rPr>
+              <a:t>Modify, Delete, Generate</a:t>
+            </a:r>
+          </a:p>
+        </p:txBody>
+      </p:sp>
     </p:spTree>
     <p:extLst>
       <p:ext uri="{BB962C8B-B14F-4D97-AF65-F5344CB8AC3E}">
-        <p14:creationId xmlns:p14="http://schemas.microsoft.com/office/powerpoint/2010/main" val="555213981"/>
+        <p14:creationId xmlns:p14="http://schemas.microsoft.com/office/powerpoint/2010/main" val="1857912805"/>
       </p:ext>
     </p:extLst>
   </p:cSld>
   <p:clrMapOvr>
     <a:masterClrMapping/>
   </p:clrMapOvr>
-  <p:transition/>
+  <p:transition>
+    <p:wipe dir="r"/>
+  </p:transition>
+</p:sld>
+</file>
+
+<file path=ppt/slides/slide5.xml><?xml version="1.0" encoding="utf-8"?>
+<p:sld xmlns:a="http://schemas.openxmlformats.org/drawingml/2006/main" xmlns:r="http://schemas.openxmlformats.org/officeDocument/2006/relationships" xmlns:p="http://schemas.openxmlformats.org/presentationml/2006/main">
+  <p:cSld>
+    <p:spTree>
+      <p:nvGrpSpPr>
+        <p:cNvPr id="1" name=""/>
+        <p:cNvGrpSpPr/>
+        <p:nvPr/>
+      </p:nvGrpSpPr>
+      <p:grpSpPr>
+        <a:xfrm>
+          <a:off x="0" y="0"/>
+          <a:ext cx="0" cy="0"/>
+          <a:chOff x="0" y="0"/>
+          <a:chExt cx="0" cy="0"/>
+        </a:xfrm>
+      </p:grpSpPr>
+      <p:sp>
+        <p:nvSpPr>
+          <p:cNvPr id="2" name="Slide Number Placeholder 1">
+            <a:extLst>
+              <a:ext uri="{FF2B5EF4-FFF2-40B4-BE49-F238E27FC236}">
+                <a16:creationId xmlns:a16="http://schemas.microsoft.com/office/drawing/2014/main" id="{3072FCF8-2A4B-46EC-A59C-26EBFE4A99DA}"/>
+              </a:ext>
+            </a:extLst>
+          </p:cNvPr>
+          <p:cNvSpPr>
+            <a:spLocks noGrp="1"/>
+          </p:cNvSpPr>
+          <p:nvPr>
+            <p:ph type="sldNum" sz="quarter" idx="11"/>
+          </p:nvPr>
+        </p:nvSpPr>
+        <p:spPr/>
+        <p:txBody>
+          <a:bodyPr/>
+          <a:lstStyle/>
+          <a:p>
+            <a:pPr>
+              <a:defRPr/>
+            </a:pPr>
+            <a:fld id="{55707887-EE06-4E3F-9515-1ED64E674293}" type="slidenum">
+              <a:rPr lang="en-GB" smtClean="0"/>
+              <a:pPr>
+                <a:defRPr/>
+              </a:pPr>
+              <a:t>5</a:t>
+            </a:fld>
+            <a:endParaRPr lang="en-GB">
+              <a:solidFill>
+                <a:srgbClr val="FFFFFF"/>
+              </a:solidFill>
+            </a:endParaRPr>
+          </a:p>
+        </p:txBody>
+      </p:sp>
+      <p:sp>
+        <p:nvSpPr>
+          <p:cNvPr id="3" name="TextBox 2">
+            <a:extLst>
+              <a:ext uri="{FF2B5EF4-FFF2-40B4-BE49-F238E27FC236}">
+                <a16:creationId xmlns:a16="http://schemas.microsoft.com/office/drawing/2014/main" id="{E9166E3B-8EF0-41EC-AF0C-A7D430A7FCA6}"/>
+              </a:ext>
+            </a:extLst>
+          </p:cNvPr>
+          <p:cNvSpPr txBox="1"/>
+          <p:nvPr/>
+        </p:nvSpPr>
+        <p:spPr>
+          <a:xfrm>
+            <a:off x="1066800" y="381000"/>
+            <a:ext cx="2435667" cy="461665"/>
+          </a:xfrm>
+          <a:prstGeom prst="rect">
+            <a:avLst/>
+          </a:prstGeom>
+          <a:noFill/>
+        </p:spPr>
+        <p:txBody>
+          <a:bodyPr wrap="none" rtlCol="0">
+            <a:spAutoFit/>
+          </a:bodyPr>
+          <a:lstStyle/>
+          <a:p>
+            <a:r>
+              <a:rPr lang="en-US" dirty="0">
+                <a:solidFill>
+                  <a:schemeClr val="bg2"/>
+                </a:solidFill>
+              </a:rPr>
+              <a:t>FP2: Test Cases</a:t>
+            </a:r>
+          </a:p>
+        </p:txBody>
+      </p:sp>
+      <p:sp>
+        <p:nvSpPr>
+          <p:cNvPr id="4" name="TextBox 3">
+            <a:extLst>
+              <a:ext uri="{FF2B5EF4-FFF2-40B4-BE49-F238E27FC236}">
+                <a16:creationId xmlns:a16="http://schemas.microsoft.com/office/drawing/2014/main" id="{86720806-6866-4FAA-9381-6AD050CD4E6D}"/>
+              </a:ext>
+            </a:extLst>
+          </p:cNvPr>
+          <p:cNvSpPr txBox="1"/>
+          <p:nvPr/>
+        </p:nvSpPr>
+        <p:spPr>
+          <a:xfrm>
+            <a:off x="228600" y="1219200"/>
+            <a:ext cx="7467600" cy="5262979"/>
+          </a:xfrm>
+          <a:prstGeom prst="rect">
+            <a:avLst/>
+          </a:prstGeom>
+          <a:noFill/>
+        </p:spPr>
+        <p:txBody>
+          <a:bodyPr wrap="square" rtlCol="0">
+            <a:spAutoFit/>
+          </a:bodyPr>
+          <a:lstStyle/>
+          <a:p>
+            <a:pPr marL="457200" indent="-457200">
+              <a:buAutoNum type="arabicPeriod"/>
+            </a:pPr>
+            <a:r>
+              <a:rPr lang="en-US" dirty="0">
+                <a:solidFill>
+                  <a:schemeClr val="bg2"/>
+                </a:solidFill>
+              </a:rPr>
+              <a:t>Modify : clicking it will show the Modify form using which the users can update the word (and the length)</a:t>
+            </a:r>
+          </a:p>
+          <a:p>
+            <a:r>
+              <a:rPr lang="en-US" dirty="0">
+                <a:solidFill>
+                  <a:schemeClr val="bg2"/>
+                </a:solidFill>
+              </a:rPr>
+              <a:t>OR</a:t>
+            </a:r>
+          </a:p>
+          <a:p>
+            <a:r>
+              <a:rPr lang="en-US" dirty="0">
+                <a:solidFill>
+                  <a:schemeClr val="bg2"/>
+                </a:solidFill>
+              </a:rPr>
+              <a:t>Enable in-cell editing of the work and length (In that case, you do NOT have to implement the MODIFY action)</a:t>
+            </a:r>
+          </a:p>
+          <a:p>
+            <a:endParaRPr lang="en-US" dirty="0">
+              <a:solidFill>
+                <a:schemeClr val="bg2"/>
+              </a:solidFill>
+            </a:endParaRPr>
+          </a:p>
+          <a:p>
+            <a:r>
+              <a:rPr lang="en-US" dirty="0">
+                <a:solidFill>
+                  <a:schemeClr val="bg2"/>
+                </a:solidFill>
+              </a:rPr>
+              <a:t>2. DELETE: the word will be deleted. And the control comes back to the list.</a:t>
+            </a:r>
+          </a:p>
+          <a:p>
+            <a:endParaRPr lang="en-US" dirty="0">
+              <a:solidFill>
+                <a:schemeClr val="bg2"/>
+              </a:solidFill>
+            </a:endParaRPr>
+          </a:p>
+          <a:p>
+            <a:r>
+              <a:rPr lang="en-US" dirty="0">
+                <a:solidFill>
+                  <a:schemeClr val="bg2"/>
+                </a:solidFill>
+              </a:rPr>
+              <a:t>And the word deleted will disappear from the list.</a:t>
+            </a:r>
+          </a:p>
+          <a:p>
+            <a:r>
+              <a:rPr lang="en-US" dirty="0">
+                <a:solidFill>
+                  <a:schemeClr val="bg2"/>
+                </a:solidFill>
+              </a:rPr>
+              <a:t>And you show a confirmation message on the top of the table saying “word </a:t>
+            </a:r>
+            <a:r>
+              <a:rPr lang="en-US" dirty="0" err="1">
+                <a:solidFill>
+                  <a:schemeClr val="bg2"/>
+                </a:solidFill>
+              </a:rPr>
+              <a:t>xyz</a:t>
+            </a:r>
+            <a:r>
+              <a:rPr lang="en-US" dirty="0">
+                <a:solidFill>
+                  <a:schemeClr val="bg2"/>
+                </a:solidFill>
+              </a:rPr>
+              <a:t> is deleted”</a:t>
+            </a:r>
+          </a:p>
+        </p:txBody>
+      </p:sp>
+    </p:spTree>
+    <p:extLst>
+      <p:ext uri="{BB962C8B-B14F-4D97-AF65-F5344CB8AC3E}">
+        <p14:creationId xmlns:p14="http://schemas.microsoft.com/office/powerpoint/2010/main" val="1226862546"/>
+      </p:ext>
+    </p:extLst>
+  </p:cSld>
+  <p:clrMapOvr>
+    <a:masterClrMapping/>
+  </p:clrMapOvr>
+  <p:transition>
+    <p:wipe dir="r"/>
+  </p:transition>
+</p:sld>
+</file>
+
+<file path=ppt/slides/slide6.xml><?xml version="1.0" encoding="utf-8"?>
+<p:sld xmlns:a="http://schemas.openxmlformats.org/drawingml/2006/main" xmlns:r="http://schemas.openxmlformats.org/officeDocument/2006/relationships" xmlns:p="http://schemas.openxmlformats.org/presentationml/2006/main">
+  <p:cSld>
+    <p:spTree>
+      <p:nvGrpSpPr>
+        <p:cNvPr id="1" name=""/>
+        <p:cNvGrpSpPr/>
+        <p:nvPr/>
+      </p:nvGrpSpPr>
+      <p:grpSpPr>
+        <a:xfrm>
+          <a:off x="0" y="0"/>
+          <a:ext cx="0" cy="0"/>
+          <a:chOff x="0" y="0"/>
+          <a:chExt cx="0" cy="0"/>
+        </a:xfrm>
+      </p:grpSpPr>
+      <p:sp>
+        <p:nvSpPr>
+          <p:cNvPr id="2" name="Slide Number Placeholder 1">
+            <a:extLst>
+              <a:ext uri="{FF2B5EF4-FFF2-40B4-BE49-F238E27FC236}">
+                <a16:creationId xmlns:a16="http://schemas.microsoft.com/office/drawing/2014/main" id="{3072FCF8-2A4B-46EC-A59C-26EBFE4A99DA}"/>
+              </a:ext>
+            </a:extLst>
+          </p:cNvPr>
+          <p:cNvSpPr>
+            <a:spLocks noGrp="1"/>
+          </p:cNvSpPr>
+          <p:nvPr>
+            <p:ph type="sldNum" sz="quarter" idx="11"/>
+          </p:nvPr>
+        </p:nvSpPr>
+        <p:spPr/>
+        <p:txBody>
+          <a:bodyPr/>
+          <a:lstStyle/>
+          <a:p>
+            <a:pPr>
+              <a:defRPr/>
+            </a:pPr>
+            <a:fld id="{55707887-EE06-4E3F-9515-1ED64E674293}" type="slidenum">
+              <a:rPr lang="en-GB" smtClean="0"/>
+              <a:pPr>
+                <a:defRPr/>
+              </a:pPr>
+              <a:t>6</a:t>
+            </a:fld>
+            <a:endParaRPr lang="en-GB">
+              <a:solidFill>
+                <a:srgbClr val="FFFFFF"/>
+              </a:solidFill>
+            </a:endParaRPr>
+          </a:p>
+        </p:txBody>
+      </p:sp>
+      <p:sp>
+        <p:nvSpPr>
+          <p:cNvPr id="3" name="TextBox 2">
+            <a:extLst>
+              <a:ext uri="{FF2B5EF4-FFF2-40B4-BE49-F238E27FC236}">
+                <a16:creationId xmlns:a16="http://schemas.microsoft.com/office/drawing/2014/main" id="{E9166E3B-8EF0-41EC-AF0C-A7D430A7FCA6}"/>
+              </a:ext>
+            </a:extLst>
+          </p:cNvPr>
+          <p:cNvSpPr txBox="1"/>
+          <p:nvPr/>
+        </p:nvSpPr>
+        <p:spPr>
+          <a:xfrm>
+            <a:off x="1066800" y="381000"/>
+            <a:ext cx="2435667" cy="461665"/>
+          </a:xfrm>
+          <a:prstGeom prst="rect">
+            <a:avLst/>
+          </a:prstGeom>
+          <a:noFill/>
+        </p:spPr>
+        <p:txBody>
+          <a:bodyPr wrap="none" rtlCol="0">
+            <a:spAutoFit/>
+          </a:bodyPr>
+          <a:lstStyle/>
+          <a:p>
+            <a:r>
+              <a:rPr lang="en-US" dirty="0">
+                <a:solidFill>
+                  <a:schemeClr val="bg2"/>
+                </a:solidFill>
+              </a:rPr>
+              <a:t>FP2: Test Cases</a:t>
+            </a:r>
+          </a:p>
+        </p:txBody>
+      </p:sp>
+      <p:sp>
+        <p:nvSpPr>
+          <p:cNvPr id="4" name="TextBox 3">
+            <a:extLst>
+              <a:ext uri="{FF2B5EF4-FFF2-40B4-BE49-F238E27FC236}">
+                <a16:creationId xmlns:a16="http://schemas.microsoft.com/office/drawing/2014/main" id="{86720806-6866-4FAA-9381-6AD050CD4E6D}"/>
+              </a:ext>
+            </a:extLst>
+          </p:cNvPr>
+          <p:cNvSpPr txBox="1"/>
+          <p:nvPr/>
+        </p:nvSpPr>
+        <p:spPr>
+          <a:xfrm>
+            <a:off x="228600" y="1219200"/>
+            <a:ext cx="8610600" cy="6001643"/>
+          </a:xfrm>
+          <a:prstGeom prst="rect">
+            <a:avLst/>
+          </a:prstGeom>
+          <a:noFill/>
+        </p:spPr>
+        <p:txBody>
+          <a:bodyPr wrap="square" rtlCol="0">
+            <a:spAutoFit/>
+          </a:bodyPr>
+          <a:lstStyle/>
+          <a:p>
+            <a:r>
+              <a:rPr lang="en-US" dirty="0">
+                <a:solidFill>
+                  <a:schemeClr val="bg2"/>
+                </a:solidFill>
+              </a:rPr>
+              <a:t>3. Generate: Clicking on it will take the control to the current “Generate” page.</a:t>
+            </a:r>
+          </a:p>
+          <a:p>
+            <a:endParaRPr lang="en-US" dirty="0">
+              <a:solidFill>
+                <a:schemeClr val="bg2"/>
+              </a:solidFill>
+            </a:endParaRPr>
+          </a:p>
+          <a:p>
+            <a:r>
+              <a:rPr lang="en-US" dirty="0">
+                <a:solidFill>
+                  <a:schemeClr val="bg2"/>
+                </a:solidFill>
+                <a:hlinkClick r:id="rId2"/>
+              </a:rPr>
+              <a:t>http://localhost/wordoku/wordokuPuzzle.php?size=4x4&amp;hidecount=70&amp;difficulty=Expert&amp;word=123456789abcdefg&amp;showsolution=true</a:t>
+            </a:r>
+            <a:r>
+              <a:rPr lang="en-US" dirty="0">
+                <a:solidFill>
+                  <a:schemeClr val="bg2"/>
+                </a:solidFill>
+              </a:rPr>
+              <a:t> </a:t>
+            </a:r>
+          </a:p>
+          <a:p>
+            <a:endParaRPr lang="en-US" dirty="0">
+              <a:solidFill>
+                <a:schemeClr val="bg2"/>
+              </a:solidFill>
+            </a:endParaRPr>
+          </a:p>
+          <a:p>
+            <a:endParaRPr lang="en-US" dirty="0">
+              <a:solidFill>
+                <a:schemeClr val="bg2"/>
+              </a:solidFill>
+            </a:endParaRPr>
+          </a:p>
+          <a:p>
+            <a:r>
+              <a:rPr lang="en-US" dirty="0">
+                <a:solidFill>
+                  <a:schemeClr val="bg2"/>
+                </a:solidFill>
+              </a:rPr>
+              <a:t>Size : easy to figure out; 4 (2x2) 9 (3x3) 16 (4x4)</a:t>
+            </a:r>
+          </a:p>
+          <a:p>
+            <a:r>
+              <a:rPr lang="en-US" dirty="0">
+                <a:solidFill>
+                  <a:schemeClr val="bg2"/>
+                </a:solidFill>
+              </a:rPr>
+              <a:t>                                        6 (2x3) 8 (2x4) </a:t>
+            </a:r>
+          </a:p>
+          <a:p>
+            <a:r>
+              <a:rPr lang="en-US" dirty="0">
+                <a:solidFill>
+                  <a:schemeClr val="bg2"/>
+                </a:solidFill>
+              </a:rPr>
+              <a:t>                                        Any other length is NOT supported</a:t>
+            </a:r>
+          </a:p>
+          <a:p>
+            <a:r>
+              <a:rPr lang="en-US" dirty="0">
+                <a:solidFill>
+                  <a:schemeClr val="bg2"/>
+                </a:solidFill>
+              </a:rPr>
+              <a:t>Difficulty: simply ignore</a:t>
+            </a:r>
+          </a:p>
+          <a:p>
+            <a:r>
+              <a:rPr lang="en-US" dirty="0">
+                <a:solidFill>
+                  <a:schemeClr val="bg2"/>
+                </a:solidFill>
+              </a:rPr>
+              <a:t>Word:       = selected word</a:t>
+            </a:r>
+          </a:p>
+          <a:p>
+            <a:r>
+              <a:rPr lang="en-US" dirty="0" err="1">
+                <a:solidFill>
+                  <a:schemeClr val="bg2"/>
+                </a:solidFill>
+              </a:rPr>
+              <a:t>hidecount</a:t>
+            </a:r>
+            <a:r>
+              <a:rPr lang="en-US" dirty="0">
+                <a:solidFill>
+                  <a:schemeClr val="bg2"/>
+                </a:solidFill>
+              </a:rPr>
+              <a:t> = 50% of the cells will be hidden by default</a:t>
+            </a:r>
+          </a:p>
+          <a:p>
+            <a:r>
+              <a:rPr lang="en-US" dirty="0" err="1">
+                <a:solidFill>
+                  <a:schemeClr val="bg2"/>
+                </a:solidFill>
+              </a:rPr>
+              <a:t>showSolution</a:t>
+            </a:r>
+            <a:r>
+              <a:rPr lang="en-US" dirty="0">
+                <a:solidFill>
+                  <a:schemeClr val="bg2"/>
+                </a:solidFill>
+              </a:rPr>
+              <a:t> = true</a:t>
+            </a:r>
+          </a:p>
+          <a:p>
+            <a:endParaRPr lang="en-US" dirty="0">
+              <a:solidFill>
+                <a:schemeClr val="bg2"/>
+              </a:solidFill>
+            </a:endParaRPr>
+          </a:p>
+        </p:txBody>
+      </p:sp>
+    </p:spTree>
+    <p:extLst>
+      <p:ext uri="{BB962C8B-B14F-4D97-AF65-F5344CB8AC3E}">
+        <p14:creationId xmlns:p14="http://schemas.microsoft.com/office/powerpoint/2010/main" val="2487761545"/>
+      </p:ext>
+    </p:extLst>
+  </p:cSld>
+  <p:clrMapOvr>
+    <a:masterClrMapping/>
+  </p:clrMapOvr>
+  <p:transition>
+    <p:wipe dir="r"/>
+  </p:transition>
+</p:sld>
+</file>
+
+<file path=ppt/slides/slide7.xml><?xml version="1.0" encoding="utf-8"?>
+<p:sld xmlns:a="http://schemas.openxmlformats.org/drawingml/2006/main" xmlns:r="http://schemas.openxmlformats.org/officeDocument/2006/relationships" xmlns:p="http://schemas.openxmlformats.org/presentationml/2006/main">
+  <p:cSld>
+    <p:spTree>
+      <p:nvGrpSpPr>
+        <p:cNvPr id="1" name=""/>
+        <p:cNvGrpSpPr/>
+        <p:nvPr/>
+      </p:nvGrpSpPr>
+      <p:grpSpPr>
+        <a:xfrm>
+          <a:off x="0" y="0"/>
+          <a:ext cx="0" cy="0"/>
+          <a:chOff x="0" y="0"/>
+          <a:chExt cx="0" cy="0"/>
+        </a:xfrm>
+      </p:grpSpPr>
+      <p:sp>
+        <p:nvSpPr>
+          <p:cNvPr id="2" name="Slide Number Placeholder 1">
+            <a:extLst>
+              <a:ext uri="{FF2B5EF4-FFF2-40B4-BE49-F238E27FC236}">
+                <a16:creationId xmlns:a16="http://schemas.microsoft.com/office/drawing/2014/main" id="{3072FCF8-2A4B-46EC-A59C-26EBFE4A99DA}"/>
+              </a:ext>
+            </a:extLst>
+          </p:cNvPr>
+          <p:cNvSpPr>
+            <a:spLocks noGrp="1"/>
+          </p:cNvSpPr>
+          <p:nvPr>
+            <p:ph type="sldNum" sz="quarter" idx="11"/>
+          </p:nvPr>
+        </p:nvSpPr>
+        <p:spPr/>
+        <p:txBody>
+          <a:bodyPr/>
+          <a:lstStyle/>
+          <a:p>
+            <a:pPr>
+              <a:defRPr/>
+            </a:pPr>
+            <a:fld id="{55707887-EE06-4E3F-9515-1ED64E674293}" type="slidenum">
+              <a:rPr lang="en-GB" smtClean="0"/>
+              <a:pPr>
+                <a:defRPr/>
+              </a:pPr>
+              <a:t>7</a:t>
+            </a:fld>
+            <a:endParaRPr lang="en-GB">
+              <a:solidFill>
+                <a:srgbClr val="FFFFFF"/>
+              </a:solidFill>
+            </a:endParaRPr>
+          </a:p>
+        </p:txBody>
+      </p:sp>
+      <p:sp>
+        <p:nvSpPr>
+          <p:cNvPr id="3" name="TextBox 2">
+            <a:extLst>
+              <a:ext uri="{FF2B5EF4-FFF2-40B4-BE49-F238E27FC236}">
+                <a16:creationId xmlns:a16="http://schemas.microsoft.com/office/drawing/2014/main" id="{E9166E3B-8EF0-41EC-AF0C-A7D430A7FCA6}"/>
+              </a:ext>
+            </a:extLst>
+          </p:cNvPr>
+          <p:cNvSpPr txBox="1"/>
+          <p:nvPr/>
+        </p:nvSpPr>
+        <p:spPr>
+          <a:xfrm>
+            <a:off x="1066800" y="381000"/>
+            <a:ext cx="2435667" cy="461665"/>
+          </a:xfrm>
+          <a:prstGeom prst="rect">
+            <a:avLst/>
+          </a:prstGeom>
+          <a:noFill/>
+        </p:spPr>
+        <p:txBody>
+          <a:bodyPr wrap="none" rtlCol="0">
+            <a:spAutoFit/>
+          </a:bodyPr>
+          <a:lstStyle/>
+          <a:p>
+            <a:r>
+              <a:rPr lang="en-US" dirty="0">
+                <a:solidFill>
+                  <a:schemeClr val="bg2"/>
+                </a:solidFill>
+              </a:rPr>
+              <a:t>FP2: Test Cases</a:t>
+            </a:r>
+          </a:p>
+        </p:txBody>
+      </p:sp>
+      <p:sp>
+        <p:nvSpPr>
+          <p:cNvPr id="4" name="TextBox 3">
+            <a:extLst>
+              <a:ext uri="{FF2B5EF4-FFF2-40B4-BE49-F238E27FC236}">
+                <a16:creationId xmlns:a16="http://schemas.microsoft.com/office/drawing/2014/main" id="{86720806-6866-4FAA-9381-6AD050CD4E6D}"/>
+              </a:ext>
+            </a:extLst>
+          </p:cNvPr>
+          <p:cNvSpPr txBox="1"/>
+          <p:nvPr/>
+        </p:nvSpPr>
+        <p:spPr>
+          <a:xfrm>
+            <a:off x="228600" y="1219200"/>
+            <a:ext cx="8610600" cy="4893647"/>
+          </a:xfrm>
+          <a:prstGeom prst="rect">
+            <a:avLst/>
+          </a:prstGeom>
+          <a:noFill/>
+        </p:spPr>
+        <p:txBody>
+          <a:bodyPr wrap="square" rtlCol="0">
+            <a:spAutoFit/>
+          </a:bodyPr>
+          <a:lstStyle/>
+          <a:p>
+            <a:r>
+              <a:rPr lang="en-US" dirty="0">
+                <a:solidFill>
+                  <a:schemeClr val="bg2"/>
+                </a:solidFill>
+              </a:rPr>
+              <a:t>How do you determine the “</a:t>
+            </a:r>
+            <a:r>
+              <a:rPr lang="en-US" dirty="0" err="1">
+                <a:solidFill>
+                  <a:schemeClr val="bg2"/>
+                </a:solidFill>
+              </a:rPr>
+              <a:t>hidecount</a:t>
+            </a:r>
+            <a:r>
+              <a:rPr lang="en-US" dirty="0">
+                <a:solidFill>
+                  <a:schemeClr val="bg2"/>
+                </a:solidFill>
+              </a:rPr>
+              <a:t>”?</a:t>
+            </a:r>
+          </a:p>
+          <a:p>
+            <a:endParaRPr lang="en-US" dirty="0">
+              <a:solidFill>
+                <a:schemeClr val="bg2"/>
+              </a:solidFill>
+            </a:endParaRPr>
+          </a:p>
+          <a:p>
+            <a:r>
+              <a:rPr lang="en-US" dirty="0">
+                <a:solidFill>
+                  <a:schemeClr val="bg2"/>
+                </a:solidFill>
+              </a:rPr>
+              <a:t>Size : easy to figure out; 4 (2x2) 9 (3x3) 16 (4x4)</a:t>
+            </a:r>
+          </a:p>
+          <a:p>
+            <a:r>
+              <a:rPr lang="en-US" dirty="0">
+                <a:solidFill>
+                  <a:schemeClr val="bg2"/>
+                </a:solidFill>
+              </a:rPr>
+              <a:t>                                        6 (2x3) 8 (2x4) </a:t>
+            </a:r>
+          </a:p>
+          <a:p>
+            <a:r>
+              <a:rPr lang="en-US" dirty="0">
+                <a:solidFill>
+                  <a:schemeClr val="bg2"/>
+                </a:solidFill>
+              </a:rPr>
+              <a:t>                                        Any other length is NOT supported</a:t>
+            </a:r>
+          </a:p>
+          <a:p>
+            <a:endParaRPr lang="en-US" dirty="0">
+              <a:solidFill>
+                <a:schemeClr val="bg2"/>
+              </a:solidFill>
+            </a:endParaRPr>
+          </a:p>
+          <a:p>
+            <a:r>
+              <a:rPr lang="en-US" dirty="0" err="1">
+                <a:solidFill>
+                  <a:schemeClr val="bg2"/>
+                </a:solidFill>
+              </a:rPr>
+              <a:t>hidecount</a:t>
+            </a:r>
+            <a:r>
+              <a:rPr lang="en-US" dirty="0">
+                <a:solidFill>
+                  <a:schemeClr val="bg2"/>
+                </a:solidFill>
+              </a:rPr>
+              <a:t> = 50% of the cells will be hidden by default</a:t>
+            </a:r>
+          </a:p>
+          <a:p>
+            <a:endParaRPr lang="en-US" dirty="0">
+              <a:solidFill>
+                <a:schemeClr val="bg2"/>
+              </a:solidFill>
+            </a:endParaRPr>
+          </a:p>
+          <a:p>
+            <a:r>
+              <a:rPr lang="en-US" dirty="0">
+                <a:solidFill>
+                  <a:schemeClr val="bg2"/>
+                </a:solidFill>
+              </a:rPr>
+              <a:t>4 (2x2) = 16 cells &gt; </a:t>
+            </a:r>
+            <a:r>
+              <a:rPr lang="en-US" dirty="0" err="1">
+                <a:solidFill>
+                  <a:schemeClr val="bg2"/>
+                </a:solidFill>
+              </a:rPr>
+              <a:t>hidecount</a:t>
+            </a:r>
+            <a:r>
+              <a:rPr lang="en-US" dirty="0">
+                <a:solidFill>
+                  <a:schemeClr val="bg2"/>
+                </a:solidFill>
+              </a:rPr>
+              <a:t> = 8</a:t>
+            </a:r>
+          </a:p>
+          <a:p>
+            <a:r>
+              <a:rPr lang="en-US" dirty="0">
+                <a:solidFill>
+                  <a:schemeClr val="bg2"/>
+                </a:solidFill>
+              </a:rPr>
+              <a:t>9 (3x3) = 81 cells &gt; </a:t>
+            </a:r>
+            <a:r>
+              <a:rPr lang="en-US" dirty="0" err="1">
+                <a:solidFill>
+                  <a:schemeClr val="bg2"/>
+                </a:solidFill>
+              </a:rPr>
+              <a:t>hidecount</a:t>
+            </a:r>
+            <a:r>
+              <a:rPr lang="en-US" dirty="0">
+                <a:solidFill>
+                  <a:schemeClr val="bg2"/>
+                </a:solidFill>
+              </a:rPr>
+              <a:t> = 40</a:t>
+            </a:r>
+          </a:p>
+          <a:p>
+            <a:r>
+              <a:rPr lang="en-US" dirty="0">
+                <a:solidFill>
+                  <a:schemeClr val="bg2"/>
+                </a:solidFill>
+              </a:rPr>
+              <a:t>16 (4x4) = 256 cells &gt; </a:t>
+            </a:r>
+            <a:r>
+              <a:rPr lang="en-US" dirty="0" err="1">
+                <a:solidFill>
+                  <a:schemeClr val="bg2"/>
+                </a:solidFill>
+              </a:rPr>
+              <a:t>hidecount</a:t>
+            </a:r>
+            <a:r>
+              <a:rPr lang="en-US" dirty="0">
+                <a:solidFill>
+                  <a:schemeClr val="bg2"/>
+                </a:solidFill>
+              </a:rPr>
+              <a:t> = 128</a:t>
+            </a:r>
+          </a:p>
+          <a:p>
+            <a:r>
+              <a:rPr lang="en-US" dirty="0">
+                <a:solidFill>
+                  <a:schemeClr val="bg2"/>
+                </a:solidFill>
+              </a:rPr>
+              <a:t>6 (2x3) = 36 cells &gt; </a:t>
+            </a:r>
+            <a:r>
+              <a:rPr lang="en-US" dirty="0" err="1">
+                <a:solidFill>
+                  <a:schemeClr val="bg2"/>
+                </a:solidFill>
+              </a:rPr>
+              <a:t>hidecount</a:t>
+            </a:r>
+            <a:r>
+              <a:rPr lang="en-US" dirty="0">
+                <a:solidFill>
+                  <a:schemeClr val="bg2"/>
+                </a:solidFill>
+              </a:rPr>
+              <a:t> = 18</a:t>
+            </a:r>
+          </a:p>
+          <a:p>
+            <a:r>
+              <a:rPr lang="en-US" dirty="0">
+                <a:solidFill>
+                  <a:schemeClr val="bg2"/>
+                </a:solidFill>
+              </a:rPr>
+              <a:t>8 (2x4) = 64 cells &gt; </a:t>
+            </a:r>
+            <a:r>
+              <a:rPr lang="en-US" dirty="0" err="1">
+                <a:solidFill>
+                  <a:schemeClr val="bg2"/>
+                </a:solidFill>
+              </a:rPr>
+              <a:t>hidecount</a:t>
+            </a:r>
+            <a:r>
+              <a:rPr lang="en-US" dirty="0">
+                <a:solidFill>
+                  <a:schemeClr val="bg2"/>
+                </a:solidFill>
+              </a:rPr>
+              <a:t> = 32</a:t>
+            </a:r>
+          </a:p>
+        </p:txBody>
+      </p:sp>
+    </p:spTree>
+    <p:extLst>
+      <p:ext uri="{BB962C8B-B14F-4D97-AF65-F5344CB8AC3E}">
+        <p14:creationId xmlns:p14="http://schemas.microsoft.com/office/powerpoint/2010/main" val="2191000707"/>
+      </p:ext>
+    </p:extLst>
+  </p:cSld>
+  <p:clrMapOvr>
+    <a:masterClrMapping/>
+  </p:clrMapOvr>
+  <p:transition>
+    <p:wipe dir="r"/>
+  </p:transition>
+</p:sld>
+</file>
+
+<file path=ppt/slides/slide8.xml><?xml version="1.0" encoding="utf-8"?>
+<p:sld xmlns:a="http://schemas.openxmlformats.org/drawingml/2006/main" xmlns:r="http://schemas.openxmlformats.org/officeDocument/2006/relationships" xmlns:p="http://schemas.openxmlformats.org/presentationml/2006/main">
+  <p:cSld>
+    <p:spTree>
+      <p:nvGrpSpPr>
+        <p:cNvPr id="1" name=""/>
+        <p:cNvGrpSpPr/>
+        <p:nvPr/>
+      </p:nvGrpSpPr>
+      <p:grpSpPr>
+        <a:xfrm>
+          <a:off x="0" y="0"/>
+          <a:ext cx="0" cy="0"/>
+          <a:chOff x="0" y="0"/>
+          <a:chExt cx="0" cy="0"/>
+        </a:xfrm>
+      </p:grpSpPr>
+      <p:sp>
+        <p:nvSpPr>
+          <p:cNvPr id="2" name="Slide Number Placeholder 1">
+            <a:extLst>
+              <a:ext uri="{FF2B5EF4-FFF2-40B4-BE49-F238E27FC236}">
+                <a16:creationId xmlns:a16="http://schemas.microsoft.com/office/drawing/2014/main" id="{B21708DF-40E8-42E2-99DE-B21B265BC34D}"/>
+              </a:ext>
+            </a:extLst>
+          </p:cNvPr>
+          <p:cNvSpPr>
+            <a:spLocks noGrp="1"/>
+          </p:cNvSpPr>
+          <p:nvPr>
+            <p:ph type="sldNum" sz="quarter" idx="11"/>
+          </p:nvPr>
+        </p:nvSpPr>
+        <p:spPr/>
+        <p:txBody>
+          <a:bodyPr/>
+          <a:lstStyle/>
+          <a:p>
+            <a:pPr>
+              <a:defRPr/>
+            </a:pPr>
+            <a:fld id="{55707887-EE06-4E3F-9515-1ED64E674293}" type="slidenum">
+              <a:rPr lang="en-GB" smtClean="0"/>
+              <a:pPr>
+                <a:defRPr/>
+              </a:pPr>
+              <a:t>8</a:t>
+            </a:fld>
+            <a:endParaRPr lang="en-GB">
+              <a:solidFill>
+                <a:srgbClr val="FFFFFF"/>
+              </a:solidFill>
+            </a:endParaRPr>
+          </a:p>
+        </p:txBody>
+      </p:sp>
+      <p:sp>
+        <p:nvSpPr>
+          <p:cNvPr id="3" name="Rectangle 2">
+            <a:extLst>
+              <a:ext uri="{FF2B5EF4-FFF2-40B4-BE49-F238E27FC236}">
+                <a16:creationId xmlns:a16="http://schemas.microsoft.com/office/drawing/2014/main" id="{CA0163C3-5DD1-4285-AE65-CACFE6A18A7F}"/>
+              </a:ext>
+            </a:extLst>
+          </p:cNvPr>
+          <p:cNvSpPr/>
+          <p:nvPr/>
+        </p:nvSpPr>
+        <p:spPr>
+          <a:xfrm>
+            <a:off x="304800" y="1295400"/>
+            <a:ext cx="8153400" cy="4893647"/>
+          </a:xfrm>
+          <a:prstGeom prst="rect">
+            <a:avLst/>
+          </a:prstGeom>
+        </p:spPr>
+        <p:txBody>
+          <a:bodyPr wrap="square">
+            <a:spAutoFit/>
+          </a:bodyPr>
+          <a:lstStyle/>
+          <a:p>
+            <a:r>
+              <a:rPr lang="en-US" dirty="0">
+                <a:solidFill>
+                  <a:schemeClr val="bg2"/>
+                </a:solidFill>
+                <a:hlinkClick r:id="rId2"/>
+              </a:rPr>
+              <a:t>http://localhost/wordoku/wordokuPuzzle.php?size=4x4&amp;hidecount=128&amp;word=123456789abcdefg&amp;showsolution=true</a:t>
+            </a:r>
+            <a:endParaRPr lang="en-US" dirty="0">
+              <a:solidFill>
+                <a:schemeClr val="bg2"/>
+              </a:solidFill>
+            </a:endParaRPr>
+          </a:p>
+          <a:p>
+            <a:endParaRPr lang="en-US" dirty="0">
+              <a:solidFill>
+                <a:schemeClr val="bg2"/>
+              </a:solidFill>
+            </a:endParaRPr>
+          </a:p>
+          <a:p>
+            <a:endParaRPr lang="en-US" dirty="0">
+              <a:solidFill>
+                <a:schemeClr val="bg2"/>
+              </a:solidFill>
+            </a:endParaRPr>
+          </a:p>
+          <a:p>
+            <a:r>
+              <a:rPr lang="en-US" dirty="0">
+                <a:solidFill>
+                  <a:schemeClr val="bg2"/>
+                </a:solidFill>
+                <a:hlinkClick r:id="rId3"/>
+              </a:rPr>
+              <a:t>http://localhost/wordoku/wordokuPuzzle.php?size=3x3&amp;hidecount=40&amp;word=character&amp;showsolution=true</a:t>
+            </a:r>
+            <a:endParaRPr lang="en-US" dirty="0">
+              <a:solidFill>
+                <a:schemeClr val="bg2"/>
+              </a:solidFill>
+            </a:endParaRPr>
+          </a:p>
+          <a:p>
+            <a:endParaRPr lang="en-US" dirty="0">
+              <a:solidFill>
+                <a:schemeClr val="bg2"/>
+              </a:solidFill>
+            </a:endParaRPr>
+          </a:p>
+          <a:p>
+            <a:endParaRPr lang="en-US" dirty="0">
+              <a:solidFill>
+                <a:schemeClr val="bg2"/>
+              </a:solidFill>
+            </a:endParaRPr>
+          </a:p>
+          <a:p>
+            <a:endParaRPr lang="en-US" dirty="0">
+              <a:solidFill>
+                <a:schemeClr val="bg2"/>
+              </a:solidFill>
+            </a:endParaRPr>
+          </a:p>
+          <a:p>
+            <a:r>
+              <a:rPr lang="en-US" dirty="0">
+                <a:solidFill>
+                  <a:schemeClr val="bg2"/>
+                </a:solidFill>
+              </a:rPr>
+              <a:t>Biggest Challenge in FP2:  Making the puzzle work for lengths 6 and 8. </a:t>
+            </a:r>
+          </a:p>
+          <a:p>
+            <a:endParaRPr lang="en-US" dirty="0">
+              <a:solidFill>
+                <a:schemeClr val="bg2"/>
+              </a:solidFill>
+            </a:endParaRPr>
+          </a:p>
+          <a:p>
+            <a:endParaRPr lang="en-US" dirty="0">
+              <a:solidFill>
+                <a:schemeClr val="bg2"/>
+              </a:solidFill>
+            </a:endParaRPr>
+          </a:p>
+        </p:txBody>
+      </p:sp>
+      <p:sp>
+        <p:nvSpPr>
+          <p:cNvPr id="4" name="TextBox 3">
+            <a:extLst>
+              <a:ext uri="{FF2B5EF4-FFF2-40B4-BE49-F238E27FC236}">
+                <a16:creationId xmlns:a16="http://schemas.microsoft.com/office/drawing/2014/main" id="{B36C8331-8082-4817-94F1-96413BCB6995}"/>
+              </a:ext>
+            </a:extLst>
+          </p:cNvPr>
+          <p:cNvSpPr txBox="1"/>
+          <p:nvPr/>
+        </p:nvSpPr>
+        <p:spPr>
+          <a:xfrm>
+            <a:off x="944725" y="228600"/>
+            <a:ext cx="7254550" cy="461665"/>
+          </a:xfrm>
+          <a:prstGeom prst="rect">
+            <a:avLst/>
+          </a:prstGeom>
+          <a:noFill/>
+        </p:spPr>
+        <p:txBody>
+          <a:bodyPr wrap="none" rtlCol="0">
+            <a:spAutoFit/>
+          </a:bodyPr>
+          <a:lstStyle/>
+          <a:p>
+            <a:r>
+              <a:rPr lang="en-US" dirty="0">
+                <a:solidFill>
+                  <a:schemeClr val="bg2"/>
+                </a:solidFill>
+              </a:rPr>
+              <a:t>Different examples of how the URL gets generated?</a:t>
+            </a:r>
+          </a:p>
+        </p:txBody>
+      </p:sp>
+    </p:spTree>
+    <p:extLst>
+      <p:ext uri="{BB962C8B-B14F-4D97-AF65-F5344CB8AC3E}">
+        <p14:creationId xmlns:p14="http://schemas.microsoft.com/office/powerpoint/2010/main" val="3513579631"/>
+      </p:ext>
+    </p:extLst>
+  </p:cSld>
+  <p:clrMapOvr>
+    <a:masterClrMapping/>
+  </p:clrMapOvr>
+  <p:transition>
+    <p:wipe dir="r"/>
+  </p:transition>
+</p:sld>
+</file>
+
+<file path=ppt/slides/slide9.xml><?xml version="1.0" encoding="utf-8"?>
+<p:sld xmlns:a="http://schemas.openxmlformats.org/drawingml/2006/main" xmlns:r="http://schemas.openxmlformats.org/officeDocument/2006/relationships" xmlns:p="http://schemas.openxmlformats.org/presentationml/2006/main">
+  <p:cSld>
+    <p:spTree>
+      <p:nvGrpSpPr>
+        <p:cNvPr id="1" name=""/>
+        <p:cNvGrpSpPr/>
+        <p:nvPr/>
+      </p:nvGrpSpPr>
+      <p:grpSpPr>
+        <a:xfrm>
+          <a:off x="0" y="0"/>
+          <a:ext cx="0" cy="0"/>
+          <a:chOff x="0" y="0"/>
+          <a:chExt cx="0" cy="0"/>
+        </a:xfrm>
+      </p:grpSpPr>
+      <p:sp>
+        <p:nvSpPr>
+          <p:cNvPr id="2" name="Slide Number Placeholder 1">
+            <a:extLst>
+              <a:ext uri="{FF2B5EF4-FFF2-40B4-BE49-F238E27FC236}">
+                <a16:creationId xmlns:a16="http://schemas.microsoft.com/office/drawing/2014/main" id="{FF9E66C7-B93B-4BFA-9B47-B3852084129E}"/>
+              </a:ext>
+            </a:extLst>
+          </p:cNvPr>
+          <p:cNvSpPr>
+            <a:spLocks noGrp="1"/>
+          </p:cNvSpPr>
+          <p:nvPr>
+            <p:ph type="sldNum" sz="quarter" idx="11"/>
+          </p:nvPr>
+        </p:nvSpPr>
+        <p:spPr/>
+        <p:txBody>
+          <a:bodyPr/>
+          <a:lstStyle/>
+          <a:p>
+            <a:pPr>
+              <a:defRPr/>
+            </a:pPr>
+            <a:fld id="{55707887-EE06-4E3F-9515-1ED64E674293}" type="slidenum">
+              <a:rPr lang="en-GB" smtClean="0"/>
+              <a:pPr>
+                <a:defRPr/>
+              </a:pPr>
+              <a:t>9</a:t>
+            </a:fld>
+            <a:endParaRPr lang="en-GB">
+              <a:solidFill>
+                <a:srgbClr val="FFFFFF"/>
+              </a:solidFill>
+            </a:endParaRPr>
+          </a:p>
+        </p:txBody>
+      </p:sp>
+      <p:sp>
+        <p:nvSpPr>
+          <p:cNvPr id="3" name="TextBox 2">
+            <a:extLst>
+              <a:ext uri="{FF2B5EF4-FFF2-40B4-BE49-F238E27FC236}">
+                <a16:creationId xmlns:a16="http://schemas.microsoft.com/office/drawing/2014/main" id="{684E2DE4-50E1-413C-B60D-E61296066D6D}"/>
+              </a:ext>
+            </a:extLst>
+          </p:cNvPr>
+          <p:cNvSpPr txBox="1"/>
+          <p:nvPr/>
+        </p:nvSpPr>
+        <p:spPr>
+          <a:xfrm>
+            <a:off x="944725" y="228600"/>
+            <a:ext cx="5641288" cy="461665"/>
+          </a:xfrm>
+          <a:prstGeom prst="rect">
+            <a:avLst/>
+          </a:prstGeom>
+          <a:noFill/>
+        </p:spPr>
+        <p:txBody>
+          <a:bodyPr wrap="none" rtlCol="0">
+            <a:spAutoFit/>
+          </a:bodyPr>
+          <a:lstStyle/>
+          <a:p>
+            <a:r>
+              <a:rPr lang="en-US" dirty="0">
+                <a:solidFill>
+                  <a:schemeClr val="bg2"/>
+                </a:solidFill>
+              </a:rPr>
+              <a:t>FP3 and FP4: Mass Generation (HTML)</a:t>
+            </a:r>
+          </a:p>
+        </p:txBody>
+      </p:sp>
+      <p:pic>
+        <p:nvPicPr>
+          <p:cNvPr id="5" name="Picture 4">
+            <a:extLst>
+              <a:ext uri="{FF2B5EF4-FFF2-40B4-BE49-F238E27FC236}">
+                <a16:creationId xmlns:a16="http://schemas.microsoft.com/office/drawing/2014/main" id="{683A34B8-A3AD-41A3-BC06-F7FA021FB155}"/>
+              </a:ext>
+            </a:extLst>
+          </p:cNvPr>
+          <p:cNvPicPr>
+            <a:picLocks noChangeAspect="1"/>
+          </p:cNvPicPr>
+          <p:nvPr/>
+        </p:nvPicPr>
+        <p:blipFill>
+          <a:blip r:embed="rId2"/>
+          <a:stretch>
+            <a:fillRect/>
+          </a:stretch>
+        </p:blipFill>
+        <p:spPr>
+          <a:xfrm>
+            <a:off x="214312" y="1752600"/>
+            <a:ext cx="8715375" cy="2657475"/>
+          </a:xfrm>
+          <a:prstGeom prst="rect">
+            <a:avLst/>
+          </a:prstGeom>
+        </p:spPr>
+      </p:pic>
+      <p:sp>
+        <p:nvSpPr>
+          <p:cNvPr id="6" name="Rectangle 5">
+            <a:extLst>
+              <a:ext uri="{FF2B5EF4-FFF2-40B4-BE49-F238E27FC236}">
+                <a16:creationId xmlns:a16="http://schemas.microsoft.com/office/drawing/2014/main" id="{0B78F98A-6BC3-455A-8230-4C3C36F6DD85}"/>
+              </a:ext>
+            </a:extLst>
+          </p:cNvPr>
+          <p:cNvSpPr/>
+          <p:nvPr/>
+        </p:nvSpPr>
+        <p:spPr bwMode="auto">
+          <a:xfrm>
+            <a:off x="3810000" y="1219200"/>
+            <a:ext cx="762000" cy="533400"/>
+          </a:xfrm>
+          <a:prstGeom prst="rect">
+            <a:avLst/>
+          </a:prstGeom>
+          <a:solidFill>
+            <a:srgbClr val="00FFFF">
+              <a:alpha val="50000"/>
+            </a:srgbClr>
+          </a:solidFill>
+          <a:ln w="28575" cap="flat" cmpd="sng" algn="ctr">
+            <a:solidFill>
+              <a:schemeClr val="bg1"/>
+            </a:solidFill>
+            <a:prstDash val="solid"/>
+            <a:round/>
+            <a:headEnd type="none" w="sm" len="sm"/>
+            <a:tailEnd type="stealth" w="lg" len="lg"/>
+          </a:ln>
+          <a:effectLst/>
+        </p:spPr>
+        <p:txBody>
+          <a:bodyPr vert="horz" wrap="none" lIns="91440" tIns="45720" rIns="91440" bIns="45720" numCol="1" rtlCol="0" anchor="ctr" anchorCtr="0" compatLnSpc="1">
+            <a:prstTxWarp prst="textNoShape">
+              <a:avLst/>
+            </a:prstTxWarp>
+          </a:bodyPr>
+          <a:lstStyle/>
+          <a:p>
+            <a:pPr marL="0" marR="0" indent="0" algn="l" defTabSz="914400" rtl="0" eaLnBrk="1" fontAlgn="base" latinLnBrk="0" hangingPunct="1">
+              <a:lnSpc>
+                <a:spcPct val="100000"/>
+              </a:lnSpc>
+              <a:spcBef>
+                <a:spcPct val="0"/>
+              </a:spcBef>
+              <a:spcAft>
+                <a:spcPct val="0"/>
+              </a:spcAft>
+              <a:buClrTx/>
+              <a:buSzTx/>
+              <a:buFontTx/>
+              <a:buNone/>
+              <a:tabLst/>
+            </a:pPr>
+            <a:r>
+              <a:rPr kumimoji="0" lang="en-US" sz="2400" b="0" i="0" u="none" strike="noStrike" cap="none" normalizeH="0" baseline="0" dirty="0">
+                <a:ln>
+                  <a:noFill/>
+                </a:ln>
+                <a:solidFill>
+                  <a:schemeClr val="bg2"/>
+                </a:solidFill>
+                <a:effectLst/>
+                <a:latin typeface="Arial" charset="0"/>
+              </a:rPr>
+              <a:t>Batch</a:t>
+            </a:r>
+          </a:p>
+        </p:txBody>
+      </p:sp>
+      <p:sp>
+        <p:nvSpPr>
+          <p:cNvPr id="7" name="Rectangle 6">
+            <a:extLst>
+              <a:ext uri="{FF2B5EF4-FFF2-40B4-BE49-F238E27FC236}">
+                <a16:creationId xmlns:a16="http://schemas.microsoft.com/office/drawing/2014/main" id="{17E9F688-5414-48AD-9867-E37F4D22C298}"/>
+              </a:ext>
+            </a:extLst>
+          </p:cNvPr>
+          <p:cNvSpPr/>
+          <p:nvPr/>
+        </p:nvSpPr>
+        <p:spPr>
+          <a:xfrm>
+            <a:off x="609600" y="4563816"/>
+            <a:ext cx="8229600" cy="1200329"/>
+          </a:xfrm>
+          <a:prstGeom prst="rect">
+            <a:avLst/>
+          </a:prstGeom>
+        </p:spPr>
+        <p:txBody>
+          <a:bodyPr wrap="square">
+            <a:spAutoFit/>
+          </a:bodyPr>
+          <a:lstStyle/>
+          <a:p>
+            <a:r>
+              <a:rPr lang="en-US" dirty="0">
+                <a:solidFill>
+                  <a:schemeClr val="bg2"/>
+                </a:solidFill>
+              </a:rPr>
+              <a:t>Batch ICON: </a:t>
+            </a:r>
+            <a:r>
+              <a:rPr lang="en-US" dirty="0">
+                <a:solidFill>
+                  <a:schemeClr val="bg2"/>
+                </a:solidFill>
+                <a:hlinkClick r:id="rId3"/>
+              </a:rPr>
+              <a:t>https://static.thenounproject.com/png/2204540-200.png</a:t>
+            </a:r>
+            <a:endParaRPr lang="en-US" dirty="0">
+              <a:solidFill>
+                <a:schemeClr val="bg2"/>
+              </a:solidFill>
+            </a:endParaRPr>
+          </a:p>
+          <a:p>
+            <a:endParaRPr lang="en-US" dirty="0">
+              <a:solidFill>
+                <a:schemeClr val="bg2"/>
+              </a:solidFill>
+            </a:endParaRPr>
+          </a:p>
+        </p:txBody>
+      </p:sp>
+    </p:spTree>
+    <p:extLst>
+      <p:ext uri="{BB962C8B-B14F-4D97-AF65-F5344CB8AC3E}">
+        <p14:creationId xmlns:p14="http://schemas.microsoft.com/office/powerpoint/2010/main" val="754145051"/>
+      </p:ext>
+    </p:extLst>
+  </p:cSld>
+  <p:clrMapOvr>
+    <a:masterClrMapping/>
+  </p:clrMapOvr>
+  <p:transition>
+    <p:wipe dir="r"/>
+  </p:transition>
 </p:sld>
 </file>
 
